--- a/인턴프로젝트_2차발표.pptx
+++ b/인턴프로젝트_2차발표.pptx
@@ -10,12 +10,12 @@
   <p:sldIdLst>
     <p:sldId id="277" r:id="rId2"/>
     <p:sldId id="278" r:id="rId3"/>
-    <p:sldId id="298" r:id="rId4"/>
-    <p:sldId id="300" r:id="rId5"/>
-    <p:sldId id="299" r:id="rId6"/>
-    <p:sldId id="295" r:id="rId7"/>
-    <p:sldId id="297" r:id="rId8"/>
-    <p:sldId id="294" r:id="rId9"/>
+    <p:sldId id="294" r:id="rId4"/>
+    <p:sldId id="298" r:id="rId5"/>
+    <p:sldId id="300" r:id="rId6"/>
+    <p:sldId id="299" r:id="rId7"/>
+    <p:sldId id="295" r:id="rId8"/>
+    <p:sldId id="297" r:id="rId9"/>
     <p:sldId id="290" r:id="rId10"/>
   </p:sldIdLst>
   <p:sldSz cx="12192000" cy="6858000"/>
@@ -871,7 +871,7 @@
     </p:spTree>
     <p:extLst>
       <p:ext uri="{BB962C8B-B14F-4D97-AF65-F5344CB8AC3E}">
-        <p14:creationId xmlns:p14="http://schemas.microsoft.com/office/powerpoint/2010/main" val="2302289286"/>
+        <p14:creationId xmlns:p14="http://schemas.microsoft.com/office/powerpoint/2010/main" val="3312247085"/>
       </p:ext>
     </p:extLst>
   </p:cSld>
@@ -984,7 +984,7 @@
     </p:spTree>
     <p:extLst>
       <p:ext uri="{BB962C8B-B14F-4D97-AF65-F5344CB8AC3E}">
-        <p14:creationId xmlns:p14="http://schemas.microsoft.com/office/powerpoint/2010/main" val="2620152064"/>
+        <p14:creationId xmlns:p14="http://schemas.microsoft.com/office/powerpoint/2010/main" val="2302289286"/>
       </p:ext>
     </p:extLst>
   </p:cSld>
@@ -1097,7 +1097,7 @@
     </p:spTree>
     <p:extLst>
       <p:ext uri="{BB962C8B-B14F-4D97-AF65-F5344CB8AC3E}">
-        <p14:creationId xmlns:p14="http://schemas.microsoft.com/office/powerpoint/2010/main" val="1033267189"/>
+        <p14:creationId xmlns:p14="http://schemas.microsoft.com/office/powerpoint/2010/main" val="2620152064"/>
       </p:ext>
     </p:extLst>
   </p:cSld>
@@ -1210,7 +1210,7 @@
     </p:spTree>
     <p:extLst>
       <p:ext uri="{BB962C8B-B14F-4D97-AF65-F5344CB8AC3E}">
-        <p14:creationId xmlns:p14="http://schemas.microsoft.com/office/powerpoint/2010/main" val="3923004315"/>
+        <p14:creationId xmlns:p14="http://schemas.microsoft.com/office/powerpoint/2010/main" val="1033267189"/>
       </p:ext>
     </p:extLst>
   </p:cSld>
@@ -1323,7 +1323,7 @@
     </p:spTree>
     <p:extLst>
       <p:ext uri="{BB962C8B-B14F-4D97-AF65-F5344CB8AC3E}">
-        <p14:creationId xmlns:p14="http://schemas.microsoft.com/office/powerpoint/2010/main" val="1994435525"/>
+        <p14:creationId xmlns:p14="http://schemas.microsoft.com/office/powerpoint/2010/main" val="3923004315"/>
       </p:ext>
     </p:extLst>
   </p:cSld>
@@ -1436,7 +1436,7 @@
     </p:spTree>
     <p:extLst>
       <p:ext uri="{BB962C8B-B14F-4D97-AF65-F5344CB8AC3E}">
-        <p14:creationId xmlns:p14="http://schemas.microsoft.com/office/powerpoint/2010/main" val="3312247085"/>
+        <p14:creationId xmlns:p14="http://schemas.microsoft.com/office/powerpoint/2010/main" val="1994435525"/>
       </p:ext>
     </p:extLst>
   </p:cSld>
@@ -6644,7 +6644,7 @@
         </p:nvGrpSpPr>
         <p:grpSpPr>
           <a:xfrm>
-            <a:off x="3011635" y="5227818"/>
+            <a:off x="3023659" y="1412776"/>
             <a:ext cx="8736971" cy="1219200"/>
             <a:chOff x="1151472" y="3187501"/>
             <a:chExt cx="6552728" cy="914400"/>
@@ -6825,7 +6825,7 @@
         </p:nvSpPr>
         <p:spPr>
           <a:xfrm>
-            <a:off x="3333893" y="5498945"/>
+            <a:off x="3345917" y="1683903"/>
             <a:ext cx="537579" cy="697627"/>
           </a:xfrm>
           <a:prstGeom prst="rect">
@@ -6853,7 +6853,7 @@
                 <a:cs typeface="Arial"/>
                 <a:sym typeface="Arial"/>
               </a:rPr>
-              <a:t>4 </a:t>
+              <a:t>1 </a:t>
             </a:r>
             <a:endParaRPr sz="3733" dirty="0">
               <a:solidFill>
@@ -6881,7 +6881,7 @@
         </p:nvSpPr>
         <p:spPr>
           <a:xfrm>
-            <a:off x="4498591" y="5486630"/>
+            <a:off x="4510615" y="1671588"/>
             <a:ext cx="6336704" cy="369332"/>
           </a:xfrm>
           <a:prstGeom prst="rect">
@@ -6924,7 +6924,7 @@
         </p:nvGrpSpPr>
         <p:grpSpPr>
           <a:xfrm>
-            <a:off x="3019651" y="1500582"/>
+            <a:off x="3019651" y="2643479"/>
             <a:ext cx="8736971" cy="1219200"/>
             <a:chOff x="1151472" y="3187501"/>
             <a:chExt cx="6552728" cy="914400"/>
@@ -7093,7 +7093,7 @@
         </p:nvGrpSpPr>
         <p:grpSpPr>
           <a:xfrm>
-            <a:off x="3015643" y="2731284"/>
+            <a:off x="3015643" y="3874181"/>
             <a:ext cx="8736971" cy="1219200"/>
             <a:chOff x="1151472" y="3187501"/>
             <a:chExt cx="6552728" cy="914400"/>
@@ -7262,7 +7262,7 @@
         </p:nvGrpSpPr>
         <p:grpSpPr>
           <a:xfrm>
-            <a:off x="3011635" y="3961987"/>
+            <a:off x="3011635" y="5104884"/>
             <a:ext cx="8736971" cy="1219200"/>
             <a:chOff x="1151472" y="3187501"/>
             <a:chExt cx="6552728" cy="914400"/>
@@ -7431,7 +7431,7 @@
         </p:nvSpPr>
         <p:spPr>
           <a:xfrm>
-            <a:off x="3345917" y="1773702"/>
+            <a:off x="3345917" y="2916599"/>
             <a:ext cx="537579" cy="697627"/>
           </a:xfrm>
           <a:prstGeom prst="rect">
@@ -7459,7 +7459,7 @@
                 <a:cs typeface="Arial"/>
                 <a:sym typeface="Arial"/>
               </a:rPr>
-              <a:t>1 </a:t>
+              <a:t>2 </a:t>
             </a:r>
             <a:endParaRPr sz="3733" dirty="0">
               <a:solidFill>
@@ -7487,7 +7487,7 @@
         </p:nvSpPr>
         <p:spPr>
           <a:xfrm>
-            <a:off x="4510615" y="1761387"/>
+            <a:off x="4510615" y="2904284"/>
             <a:ext cx="6336704" cy="369332"/>
           </a:xfrm>
           <a:prstGeom prst="rect">
@@ -7557,7 +7557,7 @@
         </p:nvSpPr>
         <p:spPr>
           <a:xfrm>
-            <a:off x="3345917" y="3006398"/>
+            <a:off x="3345917" y="4149295"/>
             <a:ext cx="537579" cy="697627"/>
           </a:xfrm>
           <a:prstGeom prst="rect">
@@ -7585,7 +7585,7 @@
                 <a:cs typeface="Arial"/>
                 <a:sym typeface="Arial"/>
               </a:rPr>
-              <a:t>2 </a:t>
+              <a:t>3 </a:t>
             </a:r>
             <a:endParaRPr sz="3733" dirty="0">
               <a:solidFill>
@@ -7613,7 +7613,7 @@
         </p:nvSpPr>
         <p:spPr>
           <a:xfrm>
-            <a:off x="4510615" y="2994084"/>
+            <a:off x="4510615" y="4136981"/>
             <a:ext cx="6336704" cy="369332"/>
           </a:xfrm>
           <a:prstGeom prst="rect">
@@ -7707,7 +7707,7 @@
         </p:nvSpPr>
         <p:spPr>
           <a:xfrm>
-            <a:off x="3345917" y="4239094"/>
+            <a:off x="3345917" y="5381991"/>
             <a:ext cx="537579" cy="697627"/>
           </a:xfrm>
           <a:prstGeom prst="rect">
@@ -7735,7 +7735,7 @@
                 <a:cs typeface="Arial"/>
                 <a:sym typeface="Arial"/>
               </a:rPr>
-              <a:t>3 </a:t>
+              <a:t>4 </a:t>
             </a:r>
             <a:endParaRPr sz="3733" dirty="0">
               <a:solidFill>
@@ -7763,7 +7763,7 @@
         </p:nvSpPr>
         <p:spPr>
           <a:xfrm>
-            <a:off x="4510615" y="4226779"/>
+            <a:off x="4510615" y="5369676"/>
             <a:ext cx="6336704" cy="369332"/>
           </a:xfrm>
           <a:prstGeom prst="rect">
@@ -7833,7 +7833,7 @@
         </p:nvSpPr>
         <p:spPr>
           <a:xfrm>
-            <a:off x="4498591" y="5551191"/>
+            <a:off x="4510615" y="1736149"/>
             <a:ext cx="6336704" cy="369332"/>
           </a:xfrm>
           <a:prstGeom prst="rect">
@@ -7907,1909 +7907,6 @@
 </file>
 
 <file path=ppt/slides/slide3.xml><?xml version="1.0" encoding="utf-8"?>
-<p:sld xmlns:a="http://schemas.openxmlformats.org/drawingml/2006/main" xmlns:r="http://schemas.openxmlformats.org/officeDocument/2006/relationships" xmlns:p="http://schemas.openxmlformats.org/presentationml/2006/main">
-  <p:cSld>
-    <p:spTree>
-      <p:nvGrpSpPr>
-        <p:cNvPr id="1" name="Shape 272"/>
-        <p:cNvGrpSpPr/>
-        <p:nvPr/>
-      </p:nvGrpSpPr>
-      <p:grpSpPr>
-        <a:xfrm>
-          <a:off x="0" y="0"/>
-          <a:ext cx="0" cy="0"/>
-          <a:chOff x="0" y="0"/>
-          <a:chExt cx="0" cy="0"/>
-        </a:xfrm>
-      </p:grpSpPr>
-      <p:grpSp>
-        <p:nvGrpSpPr>
-          <p:cNvPr id="17" name="Google Shape;166;p24">
-            <a:extLst>
-              <a:ext uri="{FF2B5EF4-FFF2-40B4-BE49-F238E27FC236}">
-                <a16:creationId xmlns:a16="http://schemas.microsoft.com/office/drawing/2014/main" id="{0734B3FF-493A-4208-9AA7-167B9D10B976}"/>
-              </a:ext>
-            </a:extLst>
-          </p:cNvPr>
-          <p:cNvGrpSpPr/>
-          <p:nvPr/>
-        </p:nvGrpSpPr>
-        <p:grpSpPr>
-          <a:xfrm>
-            <a:off x="80505" y="86890"/>
-            <a:ext cx="5594022" cy="780618"/>
-            <a:chOff x="1151472" y="3187501"/>
-            <a:chExt cx="6552728" cy="914400"/>
-          </a:xfrm>
-        </p:grpSpPr>
-        <p:sp>
-          <p:nvSpPr>
-            <p:cNvPr id="18" name="Google Shape;167;p24">
-              <a:extLst>
-                <a:ext uri="{FF2B5EF4-FFF2-40B4-BE49-F238E27FC236}">
-                  <a16:creationId xmlns:a16="http://schemas.microsoft.com/office/drawing/2014/main" id="{164701B7-40D9-4BB3-96AE-4C30F3751EEB}"/>
-                </a:ext>
-              </a:extLst>
-            </p:cNvPr>
-            <p:cNvSpPr/>
-            <p:nvPr/>
-          </p:nvSpPr>
-          <p:spPr>
-            <a:xfrm>
-              <a:off x="1633824" y="3347030"/>
-              <a:ext cx="6070376" cy="720000"/>
-            </a:xfrm>
-            <a:prstGeom prst="homePlate">
-              <a:avLst>
-                <a:gd name="adj" fmla="val 50000"/>
-              </a:avLst>
-            </a:prstGeom>
-            <a:solidFill>
-              <a:srgbClr val="A4B4EA"/>
-            </a:solidFill>
-            <a:ln>
-              <a:noFill/>
-            </a:ln>
-          </p:spPr>
-          <p:txBody>
-            <a:bodyPr spcFirstLastPara="1" wrap="square" lIns="121900" tIns="60933" rIns="121900" bIns="60933" anchor="ctr" anchorCtr="0">
-              <a:noAutofit/>
-            </a:bodyPr>
-            <a:lstStyle/>
-            <a:p>
-              <a:pPr algn="ctr"/>
-              <a:endParaRPr sz="2400">
-                <a:solidFill>
-                  <a:schemeClr val="lt1"/>
-                </a:solidFill>
-                <a:latin typeface="휴먼매직체" panose="02030504000101010101" pitchFamily="18" charset="-127"/>
-                <a:ea typeface="휴먼매직체" panose="02030504000101010101" pitchFamily="18" charset="-127"/>
-                <a:cs typeface="Arial"/>
-                <a:sym typeface="Arial"/>
-              </a:endParaRPr>
-            </a:p>
-          </p:txBody>
-        </p:sp>
-        <p:sp>
-          <p:nvSpPr>
-            <p:cNvPr id="19" name="Google Shape;168;p24">
-              <a:extLst>
-                <a:ext uri="{FF2B5EF4-FFF2-40B4-BE49-F238E27FC236}">
-                  <a16:creationId xmlns:a16="http://schemas.microsoft.com/office/drawing/2014/main" id="{907872F3-C1CD-4551-B8BC-305847C379AB}"/>
-                </a:ext>
-              </a:extLst>
-            </p:cNvPr>
-            <p:cNvSpPr/>
-            <p:nvPr/>
-          </p:nvSpPr>
-          <p:spPr>
-            <a:xfrm>
-              <a:off x="1946192" y="3284701"/>
-              <a:ext cx="5602603" cy="720000"/>
-            </a:xfrm>
-            <a:prstGeom prst="homePlate">
-              <a:avLst>
-                <a:gd name="adj" fmla="val 50000"/>
-              </a:avLst>
-            </a:prstGeom>
-            <a:solidFill>
-              <a:schemeClr val="lt1"/>
-            </a:solidFill>
-            <a:ln w="38100" cap="flat" cmpd="sng">
-              <a:solidFill>
-                <a:srgbClr val="A4B4EA"/>
-              </a:solidFill>
-              <a:prstDash val="solid"/>
-              <a:round/>
-              <a:headEnd type="none" w="sm" len="sm"/>
-              <a:tailEnd type="none" w="sm" len="sm"/>
-            </a:ln>
-          </p:spPr>
-          <p:txBody>
-            <a:bodyPr spcFirstLastPara="1" wrap="square" lIns="121900" tIns="60933" rIns="121900" bIns="60933" anchor="ctr" anchorCtr="0">
-              <a:noAutofit/>
-            </a:bodyPr>
-            <a:lstStyle/>
-            <a:p>
-              <a:pPr algn="ctr"/>
-              <a:r>
-                <a:rPr lang="ko-KR" altLang="en-US" sz="3200" dirty="0">
-                  <a:solidFill>
-                    <a:srgbClr val="3F3F3F"/>
-                  </a:solidFill>
-                  <a:latin typeface="휴먼매직체" panose="02030504000101010101" pitchFamily="18" charset="-127"/>
-                  <a:ea typeface="휴먼매직체" panose="02030504000101010101" pitchFamily="18" charset="-127"/>
-                  <a:cs typeface="Arial"/>
-                  <a:sym typeface="Arial"/>
-                </a:rPr>
-                <a:t>김 도훈</a:t>
-              </a:r>
-              <a:endParaRPr lang="ko-KR" altLang="en-US" sz="3200" dirty="0">
-                <a:solidFill>
-                  <a:schemeClr val="lt1"/>
-                </a:solidFill>
-                <a:latin typeface="휴먼매직체" panose="02030504000101010101" pitchFamily="18" charset="-127"/>
-                <a:ea typeface="휴먼매직체" panose="02030504000101010101" pitchFamily="18" charset="-127"/>
-                <a:cs typeface="Arial"/>
-                <a:sym typeface="Arial"/>
-              </a:endParaRPr>
-            </a:p>
-          </p:txBody>
-        </p:sp>
-        <p:sp>
-          <p:nvSpPr>
-            <p:cNvPr id="20" name="Google Shape;169;p24">
-              <a:extLst>
-                <a:ext uri="{FF2B5EF4-FFF2-40B4-BE49-F238E27FC236}">
-                  <a16:creationId xmlns:a16="http://schemas.microsoft.com/office/drawing/2014/main" id="{1B436BB8-6B8D-48CD-B625-8CA49193491C}"/>
-                </a:ext>
-              </a:extLst>
-            </p:cNvPr>
-            <p:cNvSpPr/>
-            <p:nvPr/>
-          </p:nvSpPr>
-          <p:spPr>
-            <a:xfrm>
-              <a:off x="1151472" y="3187501"/>
-              <a:ext cx="914400" cy="914400"/>
-            </a:xfrm>
-            <a:prstGeom prst="diamond">
-              <a:avLst/>
-            </a:prstGeom>
-            <a:solidFill>
-              <a:srgbClr val="A4B4EA"/>
-            </a:solidFill>
-            <a:ln>
-              <a:noFill/>
-            </a:ln>
-          </p:spPr>
-          <p:txBody>
-            <a:bodyPr spcFirstLastPara="1" wrap="square" lIns="121900" tIns="60933" rIns="121900" bIns="60933" anchor="ctr" anchorCtr="0">
-              <a:noAutofit/>
-            </a:bodyPr>
-            <a:lstStyle/>
-            <a:p>
-              <a:pPr algn="ctr"/>
-              <a:r>
-                <a:rPr lang="en-US" altLang="ko-KR" sz="3733" b="1" dirty="0">
-                  <a:solidFill>
-                    <a:schemeClr val="lt1"/>
-                  </a:solidFill>
-                  <a:latin typeface="휴먼매직체" panose="02030504000101010101" pitchFamily="18" charset="-127"/>
-                  <a:ea typeface="휴먼매직체" panose="02030504000101010101" pitchFamily="18" charset="-127"/>
-                  <a:cs typeface="Arial"/>
-                  <a:sym typeface="Arial"/>
-                </a:rPr>
-                <a:t>1</a:t>
-              </a:r>
-              <a:endParaRPr sz="3733" b="1" dirty="0">
-                <a:solidFill>
-                  <a:schemeClr val="lt1"/>
-                </a:solidFill>
-                <a:latin typeface="휴먼매직체" panose="02030504000101010101" pitchFamily="18" charset="-127"/>
-                <a:ea typeface="휴먼매직체" panose="02030504000101010101" pitchFamily="18" charset="-127"/>
-                <a:cs typeface="Arial"/>
-                <a:sym typeface="Arial"/>
-              </a:endParaRPr>
-            </a:p>
-          </p:txBody>
-        </p:sp>
-      </p:grpSp>
-      <p:sp>
-        <p:nvSpPr>
-          <p:cNvPr id="21" name="TextBox 20">
-            <a:extLst>
-              <a:ext uri="{FF2B5EF4-FFF2-40B4-BE49-F238E27FC236}">
-                <a16:creationId xmlns:a16="http://schemas.microsoft.com/office/drawing/2014/main" id="{21C7F6A9-BB05-4441-A929-68A36BC6A3A3}"/>
-              </a:ext>
-            </a:extLst>
-          </p:cNvPr>
-          <p:cNvSpPr txBox="1"/>
-          <p:nvPr/>
-        </p:nvSpPr>
-        <p:spPr>
-          <a:xfrm>
-            <a:off x="7128588" y="86890"/>
-            <a:ext cx="3937519" cy="584775"/>
-          </a:xfrm>
-          <a:prstGeom prst="rect">
-            <a:avLst/>
-          </a:prstGeom>
-          <a:solidFill>
-            <a:schemeClr val="bg2">
-              <a:lumMod val="75000"/>
-              <a:alpha val="28000"/>
-            </a:schemeClr>
-          </a:solidFill>
-        </p:spPr>
-        <p:txBody>
-          <a:bodyPr wrap="square" rtlCol="0">
-            <a:spAutoFit/>
-          </a:bodyPr>
-          <a:lstStyle/>
-          <a:p>
-            <a:pPr algn="ctr"/>
-            <a:r>
-              <a:rPr lang="en-US" altLang="ko-KR" sz="3200" dirty="0">
-                <a:latin typeface="휴먼매직체" panose="02030504000101010101" pitchFamily="18" charset="-127"/>
-                <a:ea typeface="휴먼매직체" panose="02030504000101010101" pitchFamily="18" charset="-127"/>
-              </a:rPr>
-              <a:t>Event Process</a:t>
-            </a:r>
-            <a:endParaRPr lang="ko-KR" altLang="en-US" sz="3200" dirty="0">
-              <a:latin typeface="휴먼매직체" panose="02030504000101010101" pitchFamily="18" charset="-127"/>
-              <a:ea typeface="휴먼매직체" panose="02030504000101010101" pitchFamily="18" charset="-127"/>
-            </a:endParaRPr>
-          </a:p>
-        </p:txBody>
-      </p:sp>
-      <p:pic>
-        <p:nvPicPr>
-          <p:cNvPr id="4" name="그림 3" descr="텍스트이(가) 표시된 사진&#10;&#10;자동 생성된 설명">
-            <a:extLst>
-              <a:ext uri="{FF2B5EF4-FFF2-40B4-BE49-F238E27FC236}">
-                <a16:creationId xmlns:a16="http://schemas.microsoft.com/office/drawing/2014/main" id="{2DF65168-E28B-42A5-94EB-970EBB5957EA}"/>
-              </a:ext>
-            </a:extLst>
-          </p:cNvPr>
-          <p:cNvPicPr>
-            <a:picLocks noChangeAspect="1"/>
-          </p:cNvPicPr>
-          <p:nvPr/>
-        </p:nvPicPr>
-        <p:blipFill>
-          <a:blip r:embed="rId3">
-            <a:extLst>
-              <a:ext uri="{28A0092B-C50C-407E-A947-70E740481C1C}">
-                <a14:useLocalDpi xmlns:a14="http://schemas.microsoft.com/office/drawing/2010/main" val="0"/>
-              </a:ext>
-            </a:extLst>
-          </a:blip>
-          <a:stretch>
-            <a:fillRect/>
-          </a:stretch>
-        </p:blipFill>
-        <p:spPr>
-          <a:xfrm>
-            <a:off x="6594886" y="1043235"/>
-            <a:ext cx="5004922" cy="5644896"/>
-          </a:xfrm>
-          <a:prstGeom prst="rect">
-            <a:avLst/>
-          </a:prstGeom>
-          <a:ln w="38100">
-            <a:solidFill>
-              <a:schemeClr val="tx1">
-                <a:lumMod val="65000"/>
-                <a:lumOff val="35000"/>
-              </a:schemeClr>
-            </a:solidFill>
-          </a:ln>
-        </p:spPr>
-      </p:pic>
-      <p:pic>
-        <p:nvPicPr>
-          <p:cNvPr id="6" name="그림 5">
-            <a:extLst>
-              <a:ext uri="{FF2B5EF4-FFF2-40B4-BE49-F238E27FC236}">
-                <a16:creationId xmlns:a16="http://schemas.microsoft.com/office/drawing/2014/main" id="{AFCEFCD5-8FAD-48AE-9294-7F8AA6407C00}"/>
-              </a:ext>
-            </a:extLst>
-          </p:cNvPr>
-          <p:cNvPicPr>
-            <a:picLocks noChangeAspect="1"/>
-          </p:cNvPicPr>
-          <p:nvPr/>
-        </p:nvPicPr>
-        <p:blipFill>
-          <a:blip r:embed="rId4"/>
-          <a:stretch>
-            <a:fillRect/>
-          </a:stretch>
-        </p:blipFill>
-        <p:spPr>
-          <a:xfrm>
-            <a:off x="592192" y="867508"/>
-            <a:ext cx="5676900" cy="6257925"/>
-          </a:xfrm>
-          <a:prstGeom prst="rect">
-            <a:avLst/>
-          </a:prstGeom>
-        </p:spPr>
-      </p:pic>
-    </p:spTree>
-    <p:extLst>
-      <p:ext uri="{BB962C8B-B14F-4D97-AF65-F5344CB8AC3E}">
-        <p14:creationId xmlns:p14="http://schemas.microsoft.com/office/powerpoint/2010/main" val="2601415676"/>
-      </p:ext>
-    </p:extLst>
-  </p:cSld>
-  <p:clrMapOvr>
-    <a:masterClrMapping/>
-  </p:clrMapOvr>
-</p:sld>
-</file>
-
-<file path=ppt/slides/slide4.xml><?xml version="1.0" encoding="utf-8"?>
-<p:sld xmlns:a="http://schemas.openxmlformats.org/drawingml/2006/main" xmlns:r="http://schemas.openxmlformats.org/officeDocument/2006/relationships" xmlns:p="http://schemas.openxmlformats.org/presentationml/2006/main">
-  <p:cSld>
-    <p:spTree>
-      <p:nvGrpSpPr>
-        <p:cNvPr id="1" name="Shape 272"/>
-        <p:cNvGrpSpPr/>
-        <p:nvPr/>
-      </p:nvGrpSpPr>
-      <p:grpSpPr>
-        <a:xfrm>
-          <a:off x="0" y="0"/>
-          <a:ext cx="0" cy="0"/>
-          <a:chOff x="0" y="0"/>
-          <a:chExt cx="0" cy="0"/>
-        </a:xfrm>
-      </p:grpSpPr>
-      <p:sp>
-        <p:nvSpPr>
-          <p:cNvPr id="2" name="TextBox 1">
-            <a:extLst>
-              <a:ext uri="{FF2B5EF4-FFF2-40B4-BE49-F238E27FC236}">
-                <a16:creationId xmlns:a16="http://schemas.microsoft.com/office/drawing/2014/main" id="{A163CB76-DD60-43C1-B553-B8FB779D6474}"/>
-              </a:ext>
-            </a:extLst>
-          </p:cNvPr>
-          <p:cNvSpPr txBox="1"/>
-          <p:nvPr/>
-        </p:nvSpPr>
-        <p:spPr>
-          <a:xfrm>
-            <a:off x="1260290" y="1514438"/>
-            <a:ext cx="9407011" cy="4401205"/>
-          </a:xfrm>
-          <a:prstGeom prst="rect">
-            <a:avLst/>
-          </a:prstGeom>
-          <a:noFill/>
-        </p:spPr>
-        <p:txBody>
-          <a:bodyPr wrap="square" rtlCol="0">
-            <a:spAutoFit/>
-          </a:bodyPr>
-          <a:lstStyle/>
-          <a:p>
-            <a:pPr marL="285750" indent="-285750">
-              <a:buFont typeface="Arial" panose="020B0604020202020204" pitchFamily="34" charset="0"/>
-              <a:buChar char="•"/>
-            </a:pPr>
-            <a:r>
-              <a:rPr lang="en-US" altLang="ko-KR" sz="4000" dirty="0">
-                <a:latin typeface="휴먼매직체" panose="02030504000101010101" pitchFamily="18" charset="-127"/>
-                <a:ea typeface="휴먼매직체" panose="02030504000101010101" pitchFamily="18" charset="-127"/>
-              </a:rPr>
-              <a:t> </a:t>
-            </a:r>
-            <a:r>
-              <a:rPr lang="ko-KR" altLang="en-US" sz="4000" dirty="0">
-                <a:latin typeface="휴먼매직체" panose="02030504000101010101" pitchFamily="18" charset="-127"/>
-                <a:ea typeface="휴먼매직체" panose="02030504000101010101" pitchFamily="18" charset="-127"/>
-              </a:rPr>
-              <a:t>채팅 기능 구현</a:t>
-            </a:r>
-            <a:br>
-              <a:rPr lang="en-US" altLang="ko-KR" sz="4000" dirty="0">
-                <a:latin typeface="휴먼매직체" panose="02030504000101010101" pitchFamily="18" charset="-127"/>
-                <a:ea typeface="휴먼매직체" panose="02030504000101010101" pitchFamily="18" charset="-127"/>
-              </a:rPr>
-            </a:br>
-            <a:endParaRPr lang="en-US" altLang="ko-KR" sz="4000" dirty="0">
-              <a:latin typeface="휴먼매직체" panose="02030504000101010101" pitchFamily="18" charset="-127"/>
-              <a:ea typeface="휴먼매직체" panose="02030504000101010101" pitchFamily="18" charset="-127"/>
-            </a:endParaRPr>
-          </a:p>
-          <a:p>
-            <a:pPr marL="285750" indent="-285750">
-              <a:buFont typeface="Arial" panose="020B0604020202020204" pitchFamily="34" charset="0"/>
-              <a:buChar char="•"/>
-            </a:pPr>
-            <a:endParaRPr lang="en-US" altLang="ko-KR" sz="4000" dirty="0">
-              <a:latin typeface="휴먼매직체" panose="02030504000101010101" pitchFamily="18" charset="-127"/>
-              <a:ea typeface="휴먼매직체" panose="02030504000101010101" pitchFamily="18" charset="-127"/>
-            </a:endParaRPr>
-          </a:p>
-          <a:p>
-            <a:pPr marL="285750" indent="-285750">
-              <a:buFont typeface="Arial" panose="020B0604020202020204" pitchFamily="34" charset="0"/>
-              <a:buChar char="•"/>
-            </a:pPr>
-            <a:r>
-              <a:rPr lang="en-US" altLang="ko-KR" sz="4000" dirty="0">
-                <a:latin typeface="휴먼매직체" panose="02030504000101010101" pitchFamily="18" charset="-127"/>
-                <a:ea typeface="휴먼매직체" panose="02030504000101010101" pitchFamily="18" charset="-127"/>
-              </a:rPr>
-              <a:t> </a:t>
-            </a:r>
-            <a:r>
-              <a:rPr lang="ko-KR" altLang="en-US" sz="4000" dirty="0">
-                <a:latin typeface="휴먼매직체" panose="02030504000101010101" pitchFamily="18" charset="-127"/>
-                <a:ea typeface="휴먼매직체" panose="02030504000101010101" pitchFamily="18" charset="-127"/>
-              </a:rPr>
-              <a:t>소셜</a:t>
-            </a:r>
-            <a:r>
-              <a:rPr lang="en-US" altLang="ko-KR" sz="4000" dirty="0">
-                <a:latin typeface="휴먼매직체" panose="02030504000101010101" pitchFamily="18" charset="-127"/>
-                <a:ea typeface="휴먼매직체" panose="02030504000101010101" pitchFamily="18" charset="-127"/>
-              </a:rPr>
-              <a:t>(</a:t>
-            </a:r>
-            <a:r>
-              <a:rPr lang="ko-KR" altLang="en-US" sz="4000" dirty="0">
-                <a:latin typeface="휴먼매직체" panose="02030504000101010101" pitchFamily="18" charset="-127"/>
-                <a:ea typeface="휴먼매직체" panose="02030504000101010101" pitchFamily="18" charset="-127"/>
-              </a:rPr>
-              <a:t>친구 및 길드</a:t>
-            </a:r>
-            <a:r>
-              <a:rPr lang="en-US" altLang="ko-KR" sz="4000" dirty="0">
-                <a:latin typeface="휴먼매직체" panose="02030504000101010101" pitchFamily="18" charset="-127"/>
-                <a:ea typeface="휴먼매직체" panose="02030504000101010101" pitchFamily="18" charset="-127"/>
-              </a:rPr>
-              <a:t>)</a:t>
-            </a:r>
-            <a:r>
-              <a:rPr lang="ko-KR" altLang="en-US" sz="4000" dirty="0">
-                <a:latin typeface="휴먼매직체" panose="02030504000101010101" pitchFamily="18" charset="-127"/>
-                <a:ea typeface="휴먼매직체" panose="02030504000101010101" pitchFamily="18" charset="-127"/>
-              </a:rPr>
-              <a:t> 기능 구현</a:t>
-            </a:r>
-            <a:r>
-              <a:rPr lang="en-US" altLang="ko-KR" sz="4000" dirty="0">
-                <a:latin typeface="휴먼매직체" panose="02030504000101010101" pitchFamily="18" charset="-127"/>
-                <a:ea typeface="휴먼매직체" panose="02030504000101010101" pitchFamily="18" charset="-127"/>
-              </a:rPr>
-              <a:t> </a:t>
-            </a:r>
-            <a:br>
-              <a:rPr lang="en-US" altLang="ko-KR" sz="4000" dirty="0">
-                <a:latin typeface="휴먼매직체" panose="02030504000101010101" pitchFamily="18" charset="-127"/>
-                <a:ea typeface="휴먼매직체" panose="02030504000101010101" pitchFamily="18" charset="-127"/>
-              </a:rPr>
-            </a:br>
-            <a:endParaRPr lang="en-US" altLang="ko-KR" sz="4000" dirty="0">
-              <a:latin typeface="휴먼매직체" panose="02030504000101010101" pitchFamily="18" charset="-127"/>
-              <a:ea typeface="휴먼매직체" panose="02030504000101010101" pitchFamily="18" charset="-127"/>
-            </a:endParaRPr>
-          </a:p>
-          <a:p>
-            <a:pPr marL="285750" indent="-285750">
-              <a:buFont typeface="Arial" panose="020B0604020202020204" pitchFamily="34" charset="0"/>
-              <a:buChar char="•"/>
-            </a:pPr>
-            <a:endParaRPr lang="en-US" altLang="ko-KR" sz="4000" dirty="0">
-              <a:latin typeface="휴먼매직체" panose="02030504000101010101" pitchFamily="18" charset="-127"/>
-              <a:ea typeface="휴먼매직체" panose="02030504000101010101" pitchFamily="18" charset="-127"/>
-            </a:endParaRPr>
-          </a:p>
-          <a:p>
-            <a:pPr marL="285750" indent="-285750">
-              <a:buFont typeface="Arial" panose="020B0604020202020204" pitchFamily="34" charset="0"/>
-              <a:buChar char="•"/>
-            </a:pPr>
-            <a:r>
-              <a:rPr lang="en-US" altLang="ko-KR" sz="4000" dirty="0">
-                <a:latin typeface="휴먼매직체" panose="02030504000101010101" pitchFamily="18" charset="-127"/>
-                <a:ea typeface="휴먼매직체" panose="02030504000101010101" pitchFamily="18" charset="-127"/>
-              </a:rPr>
-              <a:t> In Game </a:t>
-            </a:r>
-            <a:r>
-              <a:rPr lang="ko-KR" altLang="en-US" sz="4000" dirty="0">
-                <a:latin typeface="휴먼매직체" panose="02030504000101010101" pitchFamily="18" charset="-127"/>
-                <a:ea typeface="휴먼매직체" panose="02030504000101010101" pitchFamily="18" charset="-127"/>
-              </a:rPr>
-              <a:t>모듈 부착 및 작동 테스트</a:t>
-            </a:r>
-            <a:r>
-              <a:rPr lang="en-US" altLang="ko-KR" sz="4000" dirty="0">
-                <a:latin typeface="휴먼매직체" panose="02030504000101010101" pitchFamily="18" charset="-127"/>
-                <a:ea typeface="휴먼매직체" panose="02030504000101010101" pitchFamily="18" charset="-127"/>
-              </a:rPr>
-              <a:t> </a:t>
-            </a:r>
-            <a:endParaRPr lang="ko-KR" altLang="en-US" sz="4000" dirty="0">
-              <a:latin typeface="휴먼매직체" panose="02030504000101010101" pitchFamily="18" charset="-127"/>
-              <a:ea typeface="휴먼매직체" panose="02030504000101010101" pitchFamily="18" charset="-127"/>
-            </a:endParaRPr>
-          </a:p>
-        </p:txBody>
-      </p:sp>
-      <p:grpSp>
-        <p:nvGrpSpPr>
-          <p:cNvPr id="17" name="Google Shape;166;p24">
-            <a:extLst>
-              <a:ext uri="{FF2B5EF4-FFF2-40B4-BE49-F238E27FC236}">
-                <a16:creationId xmlns:a16="http://schemas.microsoft.com/office/drawing/2014/main" id="{0734B3FF-493A-4208-9AA7-167B9D10B976}"/>
-              </a:ext>
-            </a:extLst>
-          </p:cNvPr>
-          <p:cNvGrpSpPr/>
-          <p:nvPr/>
-        </p:nvGrpSpPr>
-        <p:grpSpPr>
-          <a:xfrm>
-            <a:off x="80505" y="86890"/>
-            <a:ext cx="5594022" cy="780618"/>
-            <a:chOff x="1151472" y="3187501"/>
-            <a:chExt cx="6552728" cy="914400"/>
-          </a:xfrm>
-        </p:grpSpPr>
-        <p:sp>
-          <p:nvSpPr>
-            <p:cNvPr id="18" name="Google Shape;167;p24">
-              <a:extLst>
-                <a:ext uri="{FF2B5EF4-FFF2-40B4-BE49-F238E27FC236}">
-                  <a16:creationId xmlns:a16="http://schemas.microsoft.com/office/drawing/2014/main" id="{164701B7-40D9-4BB3-96AE-4C30F3751EEB}"/>
-                </a:ext>
-              </a:extLst>
-            </p:cNvPr>
-            <p:cNvSpPr/>
-            <p:nvPr/>
-          </p:nvSpPr>
-          <p:spPr>
-            <a:xfrm>
-              <a:off x="1633824" y="3347030"/>
-              <a:ext cx="6070376" cy="720000"/>
-            </a:xfrm>
-            <a:prstGeom prst="homePlate">
-              <a:avLst>
-                <a:gd name="adj" fmla="val 50000"/>
-              </a:avLst>
-            </a:prstGeom>
-            <a:solidFill>
-              <a:srgbClr val="A4B4EA"/>
-            </a:solidFill>
-            <a:ln>
-              <a:noFill/>
-            </a:ln>
-          </p:spPr>
-          <p:txBody>
-            <a:bodyPr spcFirstLastPara="1" wrap="square" lIns="121900" tIns="60933" rIns="121900" bIns="60933" anchor="ctr" anchorCtr="0">
-              <a:noAutofit/>
-            </a:bodyPr>
-            <a:lstStyle/>
-            <a:p>
-              <a:pPr algn="ctr"/>
-              <a:endParaRPr sz="2400">
-                <a:solidFill>
-                  <a:schemeClr val="lt1"/>
-                </a:solidFill>
-                <a:latin typeface="휴먼매직체" panose="02030504000101010101" pitchFamily="18" charset="-127"/>
-                <a:ea typeface="휴먼매직체" panose="02030504000101010101" pitchFamily="18" charset="-127"/>
-                <a:cs typeface="Arial"/>
-                <a:sym typeface="Arial"/>
-              </a:endParaRPr>
-            </a:p>
-          </p:txBody>
-        </p:sp>
-        <p:sp>
-          <p:nvSpPr>
-            <p:cNvPr id="19" name="Google Shape;168;p24">
-              <a:extLst>
-                <a:ext uri="{FF2B5EF4-FFF2-40B4-BE49-F238E27FC236}">
-                  <a16:creationId xmlns:a16="http://schemas.microsoft.com/office/drawing/2014/main" id="{907872F3-C1CD-4551-B8BC-305847C379AB}"/>
-                </a:ext>
-              </a:extLst>
-            </p:cNvPr>
-            <p:cNvSpPr/>
-            <p:nvPr/>
-          </p:nvSpPr>
-          <p:spPr>
-            <a:xfrm>
-              <a:off x="1946192" y="3284701"/>
-              <a:ext cx="5602603" cy="720000"/>
-            </a:xfrm>
-            <a:prstGeom prst="homePlate">
-              <a:avLst>
-                <a:gd name="adj" fmla="val 50000"/>
-              </a:avLst>
-            </a:prstGeom>
-            <a:solidFill>
-              <a:schemeClr val="lt1"/>
-            </a:solidFill>
-            <a:ln w="38100" cap="flat" cmpd="sng">
-              <a:solidFill>
-                <a:srgbClr val="A4B4EA"/>
-              </a:solidFill>
-              <a:prstDash val="solid"/>
-              <a:round/>
-              <a:headEnd type="none" w="sm" len="sm"/>
-              <a:tailEnd type="none" w="sm" len="sm"/>
-            </a:ln>
-          </p:spPr>
-          <p:txBody>
-            <a:bodyPr spcFirstLastPara="1" wrap="square" lIns="121900" tIns="60933" rIns="121900" bIns="60933" anchor="ctr" anchorCtr="0">
-              <a:noAutofit/>
-            </a:bodyPr>
-            <a:lstStyle/>
-            <a:p>
-              <a:pPr algn="ctr"/>
-              <a:r>
-                <a:rPr lang="ko-KR" altLang="en-US" sz="3200" dirty="0">
-                  <a:solidFill>
-                    <a:srgbClr val="3F3F3F"/>
-                  </a:solidFill>
-                  <a:latin typeface="휴먼매직체" panose="02030504000101010101" pitchFamily="18" charset="-127"/>
-                  <a:ea typeface="휴먼매직체" panose="02030504000101010101" pitchFamily="18" charset="-127"/>
-                  <a:cs typeface="Arial"/>
-                  <a:sym typeface="Arial"/>
-                </a:rPr>
-                <a:t>김 도훈</a:t>
-              </a:r>
-              <a:endParaRPr sz="3200" dirty="0">
-                <a:solidFill>
-                  <a:schemeClr val="lt1"/>
-                </a:solidFill>
-                <a:latin typeface="휴먼매직체" panose="02030504000101010101" pitchFamily="18" charset="-127"/>
-                <a:ea typeface="휴먼매직체" panose="02030504000101010101" pitchFamily="18" charset="-127"/>
-                <a:cs typeface="Arial"/>
-                <a:sym typeface="Arial"/>
-              </a:endParaRPr>
-            </a:p>
-          </p:txBody>
-        </p:sp>
-        <p:sp>
-          <p:nvSpPr>
-            <p:cNvPr id="20" name="Google Shape;169;p24">
-              <a:extLst>
-                <a:ext uri="{FF2B5EF4-FFF2-40B4-BE49-F238E27FC236}">
-                  <a16:creationId xmlns:a16="http://schemas.microsoft.com/office/drawing/2014/main" id="{1B436BB8-6B8D-48CD-B625-8CA49193491C}"/>
-                </a:ext>
-              </a:extLst>
-            </p:cNvPr>
-            <p:cNvSpPr/>
-            <p:nvPr/>
-          </p:nvSpPr>
-          <p:spPr>
-            <a:xfrm>
-              <a:off x="1151472" y="3187501"/>
-              <a:ext cx="914400" cy="914400"/>
-            </a:xfrm>
-            <a:prstGeom prst="diamond">
-              <a:avLst/>
-            </a:prstGeom>
-            <a:solidFill>
-              <a:srgbClr val="A4B4EA"/>
-            </a:solidFill>
-            <a:ln>
-              <a:noFill/>
-            </a:ln>
-          </p:spPr>
-          <p:txBody>
-            <a:bodyPr spcFirstLastPara="1" wrap="square" lIns="121900" tIns="60933" rIns="121900" bIns="60933" anchor="ctr" anchorCtr="0">
-              <a:noAutofit/>
-            </a:bodyPr>
-            <a:lstStyle/>
-            <a:p>
-              <a:pPr algn="ctr"/>
-              <a:r>
-                <a:rPr lang="en-US" altLang="ko-KR" sz="3733" b="1" dirty="0">
-                  <a:solidFill>
-                    <a:schemeClr val="lt1"/>
-                  </a:solidFill>
-                  <a:latin typeface="휴먼매직체" panose="02030504000101010101" pitchFamily="18" charset="-127"/>
-                  <a:ea typeface="휴먼매직체" panose="02030504000101010101" pitchFamily="18" charset="-127"/>
-                  <a:cs typeface="Arial"/>
-                  <a:sym typeface="Arial"/>
-                </a:rPr>
-                <a:t>1</a:t>
-              </a:r>
-              <a:endParaRPr sz="3733" b="1" dirty="0">
-                <a:solidFill>
-                  <a:schemeClr val="lt1"/>
-                </a:solidFill>
-                <a:latin typeface="휴먼매직체" panose="02030504000101010101" pitchFamily="18" charset="-127"/>
-                <a:ea typeface="휴먼매직체" panose="02030504000101010101" pitchFamily="18" charset="-127"/>
-                <a:cs typeface="Arial"/>
-                <a:sym typeface="Arial"/>
-              </a:endParaRPr>
-            </a:p>
-          </p:txBody>
-        </p:sp>
-      </p:grpSp>
-      <p:sp>
-        <p:nvSpPr>
-          <p:cNvPr id="21" name="TextBox 20">
-            <a:extLst>
-              <a:ext uri="{FF2B5EF4-FFF2-40B4-BE49-F238E27FC236}">
-                <a16:creationId xmlns:a16="http://schemas.microsoft.com/office/drawing/2014/main" id="{21C7F6A9-BB05-4441-A929-68A36BC6A3A3}"/>
-              </a:ext>
-            </a:extLst>
-          </p:cNvPr>
-          <p:cNvSpPr txBox="1"/>
-          <p:nvPr/>
-        </p:nvSpPr>
-        <p:spPr>
-          <a:xfrm>
-            <a:off x="7128588" y="86890"/>
-            <a:ext cx="3937519" cy="584775"/>
-          </a:xfrm>
-          <a:prstGeom prst="rect">
-            <a:avLst/>
-          </a:prstGeom>
-          <a:solidFill>
-            <a:schemeClr val="bg2">
-              <a:lumMod val="75000"/>
-              <a:alpha val="28000"/>
-            </a:schemeClr>
-          </a:solidFill>
-        </p:spPr>
-        <p:txBody>
-          <a:bodyPr wrap="square" rtlCol="0">
-            <a:spAutoFit/>
-          </a:bodyPr>
-          <a:lstStyle/>
-          <a:p>
-            <a:pPr algn="ctr"/>
-            <a:r>
-              <a:rPr lang="ko-KR" altLang="en-US" sz="3200" dirty="0">
-                <a:latin typeface="휴먼매직체" panose="02030504000101010101" pitchFamily="18" charset="-127"/>
-                <a:ea typeface="휴먼매직체" panose="02030504000101010101" pitchFamily="18" charset="-127"/>
-              </a:rPr>
-              <a:t>차후 일정</a:t>
-            </a:r>
-          </a:p>
-        </p:txBody>
-      </p:sp>
-    </p:spTree>
-    <p:extLst>
-      <p:ext uri="{BB962C8B-B14F-4D97-AF65-F5344CB8AC3E}">
-        <p14:creationId xmlns:p14="http://schemas.microsoft.com/office/powerpoint/2010/main" val="1242006014"/>
-      </p:ext>
-    </p:extLst>
-  </p:cSld>
-  <p:clrMapOvr>
-    <a:masterClrMapping/>
-  </p:clrMapOvr>
-</p:sld>
-</file>
-
-<file path=ppt/slides/slide5.xml><?xml version="1.0" encoding="utf-8"?>
-<p:sld xmlns:a="http://schemas.openxmlformats.org/drawingml/2006/main" xmlns:r="http://schemas.openxmlformats.org/officeDocument/2006/relationships" xmlns:p="http://schemas.openxmlformats.org/presentationml/2006/main">
-  <p:cSld>
-    <p:spTree>
-      <p:nvGrpSpPr>
-        <p:cNvPr id="1" name="Shape 272"/>
-        <p:cNvGrpSpPr/>
-        <p:nvPr/>
-      </p:nvGrpSpPr>
-      <p:grpSpPr>
-        <a:xfrm>
-          <a:off x="0" y="0"/>
-          <a:ext cx="0" cy="0"/>
-          <a:chOff x="0" y="0"/>
-          <a:chExt cx="0" cy="0"/>
-        </a:xfrm>
-      </p:grpSpPr>
-      <p:grpSp>
-        <p:nvGrpSpPr>
-          <p:cNvPr id="46" name="Google Shape;170;p24">
-            <a:extLst>
-              <a:ext uri="{FF2B5EF4-FFF2-40B4-BE49-F238E27FC236}">
-                <a16:creationId xmlns:a16="http://schemas.microsoft.com/office/drawing/2014/main" id="{B76A02F2-3D12-412B-8A11-26CE48979DDB}"/>
-              </a:ext>
-            </a:extLst>
-          </p:cNvPr>
-          <p:cNvGrpSpPr/>
-          <p:nvPr/>
-        </p:nvGrpSpPr>
-        <p:grpSpPr>
-          <a:xfrm>
-            <a:off x="80506" y="104563"/>
-            <a:ext cx="5594026" cy="780618"/>
-            <a:chOff x="1151472" y="3187501"/>
-            <a:chExt cx="6552728" cy="914401"/>
-          </a:xfrm>
-        </p:grpSpPr>
-        <p:sp>
-          <p:nvSpPr>
-            <p:cNvPr id="47" name="Google Shape;171;p24">
-              <a:extLst>
-                <a:ext uri="{FF2B5EF4-FFF2-40B4-BE49-F238E27FC236}">
-                  <a16:creationId xmlns:a16="http://schemas.microsoft.com/office/drawing/2014/main" id="{F1E36D1D-7E74-408F-A821-9C69BAD39266}"/>
-                </a:ext>
-              </a:extLst>
-            </p:cNvPr>
-            <p:cNvSpPr/>
-            <p:nvPr/>
-          </p:nvSpPr>
-          <p:spPr>
-            <a:xfrm>
-              <a:off x="1633824" y="3347030"/>
-              <a:ext cx="6070376" cy="720001"/>
-            </a:xfrm>
-            <a:prstGeom prst="homePlate">
-              <a:avLst>
-                <a:gd name="adj" fmla="val 50000"/>
-              </a:avLst>
-            </a:prstGeom>
-            <a:solidFill>
-              <a:srgbClr val="9AD3E9"/>
-            </a:solidFill>
-            <a:ln>
-              <a:noFill/>
-            </a:ln>
-          </p:spPr>
-          <p:txBody>
-            <a:bodyPr spcFirstLastPara="1" wrap="square" lIns="121900" tIns="60933" rIns="121900" bIns="60933" anchor="ctr" anchorCtr="0">
-              <a:noAutofit/>
-            </a:bodyPr>
-            <a:lstStyle/>
-            <a:p>
-              <a:pPr algn="ctr"/>
-              <a:endParaRPr sz="2400" dirty="0">
-                <a:solidFill>
-                  <a:schemeClr val="lt1"/>
-                </a:solidFill>
-                <a:latin typeface="휴먼매직체" panose="02030504000101010101" pitchFamily="18" charset="-127"/>
-                <a:ea typeface="휴먼매직체" panose="02030504000101010101" pitchFamily="18" charset="-127"/>
-                <a:cs typeface="Arial"/>
-                <a:sym typeface="Arial"/>
-              </a:endParaRPr>
-            </a:p>
-          </p:txBody>
-        </p:sp>
-        <p:sp>
-          <p:nvSpPr>
-            <p:cNvPr id="48" name="Google Shape;172;p24">
-              <a:extLst>
-                <a:ext uri="{FF2B5EF4-FFF2-40B4-BE49-F238E27FC236}">
-                  <a16:creationId xmlns:a16="http://schemas.microsoft.com/office/drawing/2014/main" id="{113C7C38-1C3E-4EF6-A703-E5C79914A4E3}"/>
-                </a:ext>
-              </a:extLst>
-            </p:cNvPr>
-            <p:cNvSpPr/>
-            <p:nvPr/>
-          </p:nvSpPr>
-          <p:spPr>
-            <a:xfrm>
-              <a:off x="1935479" y="3284701"/>
-              <a:ext cx="5613314" cy="720001"/>
-            </a:xfrm>
-            <a:prstGeom prst="homePlate">
-              <a:avLst>
-                <a:gd name="adj" fmla="val 50000"/>
-              </a:avLst>
-            </a:prstGeom>
-            <a:solidFill>
-              <a:schemeClr val="lt1"/>
-            </a:solidFill>
-            <a:ln w="38100" cap="flat" cmpd="sng">
-              <a:solidFill>
-                <a:srgbClr val="9AD3E9"/>
-              </a:solidFill>
-              <a:prstDash val="solid"/>
-              <a:round/>
-              <a:headEnd type="none" w="sm" len="sm"/>
-              <a:tailEnd type="none" w="sm" len="sm"/>
-            </a:ln>
-          </p:spPr>
-          <p:txBody>
-            <a:bodyPr spcFirstLastPara="1" wrap="square" lIns="121900" tIns="60933" rIns="121900" bIns="60933" anchor="ctr" anchorCtr="0">
-              <a:noAutofit/>
-            </a:bodyPr>
-            <a:lstStyle/>
-            <a:p>
-              <a:pPr algn="ctr"/>
-              <a:r>
-                <a:rPr lang="ko-KR" altLang="en-US" sz="3200" dirty="0">
-                  <a:solidFill>
-                    <a:srgbClr val="3F3F3F"/>
-                  </a:solidFill>
-                  <a:latin typeface="휴먼매직체" panose="02030504000101010101" pitchFamily="18" charset="-127"/>
-                  <a:ea typeface="휴먼매직체" panose="02030504000101010101" pitchFamily="18" charset="-127"/>
-                  <a:cs typeface="Arial"/>
-                  <a:sym typeface="Arial"/>
-                </a:rPr>
-                <a:t>유 정환</a:t>
-              </a:r>
-            </a:p>
-          </p:txBody>
-        </p:sp>
-        <p:sp>
-          <p:nvSpPr>
-            <p:cNvPr id="87" name="Google Shape;173;p24">
-              <a:extLst>
-                <a:ext uri="{FF2B5EF4-FFF2-40B4-BE49-F238E27FC236}">
-                  <a16:creationId xmlns:a16="http://schemas.microsoft.com/office/drawing/2014/main" id="{1374B0BB-3998-428D-B979-4757FA855DD4}"/>
-                </a:ext>
-              </a:extLst>
-            </p:cNvPr>
-            <p:cNvSpPr/>
-            <p:nvPr/>
-          </p:nvSpPr>
-          <p:spPr>
-            <a:xfrm>
-              <a:off x="1151472" y="3187501"/>
-              <a:ext cx="914400" cy="914401"/>
-            </a:xfrm>
-            <a:prstGeom prst="diamond">
-              <a:avLst/>
-            </a:prstGeom>
-            <a:solidFill>
-              <a:srgbClr val="9AD3E9"/>
-            </a:solidFill>
-            <a:ln>
-              <a:noFill/>
-            </a:ln>
-          </p:spPr>
-          <p:txBody>
-            <a:bodyPr spcFirstLastPara="1" wrap="square" lIns="121900" tIns="60933" rIns="121900" bIns="60933" anchor="ctr" anchorCtr="0">
-              <a:noAutofit/>
-            </a:bodyPr>
-            <a:lstStyle/>
-            <a:p>
-              <a:pPr algn="ctr"/>
-              <a:r>
-                <a:rPr lang="en-US" altLang="ko-KR" sz="3733" b="1" dirty="0">
-                  <a:solidFill>
-                    <a:schemeClr val="lt1"/>
-                  </a:solidFill>
-                  <a:latin typeface="휴먼매직체" panose="02030504000101010101" pitchFamily="18" charset="-127"/>
-                  <a:ea typeface="휴먼매직체" panose="02030504000101010101" pitchFamily="18" charset="-127"/>
-                  <a:cs typeface="Arial"/>
-                  <a:sym typeface="Arial"/>
-                </a:rPr>
-                <a:t>2</a:t>
-              </a:r>
-              <a:endParaRPr sz="3733" b="1" dirty="0">
-                <a:solidFill>
-                  <a:schemeClr val="lt1"/>
-                </a:solidFill>
-                <a:latin typeface="휴먼매직체" panose="02030504000101010101" pitchFamily="18" charset="-127"/>
-                <a:ea typeface="휴먼매직체" panose="02030504000101010101" pitchFamily="18" charset="-127"/>
-                <a:cs typeface="Arial"/>
-                <a:sym typeface="Arial"/>
-              </a:endParaRPr>
-            </a:p>
-          </p:txBody>
-        </p:sp>
-      </p:grpSp>
-      <p:sp>
-        <p:nvSpPr>
-          <p:cNvPr id="24" name="TextBox 23">
-            <a:extLst>
-              <a:ext uri="{FF2B5EF4-FFF2-40B4-BE49-F238E27FC236}">
-                <a16:creationId xmlns:a16="http://schemas.microsoft.com/office/drawing/2014/main" id="{6D5A0B99-9741-45E9-B42B-DCB14BD1C969}"/>
-              </a:ext>
-            </a:extLst>
-          </p:cNvPr>
-          <p:cNvSpPr txBox="1"/>
-          <p:nvPr/>
-        </p:nvSpPr>
-        <p:spPr>
-          <a:xfrm>
-            <a:off x="7128588" y="86890"/>
-            <a:ext cx="3937519" cy="584775"/>
-          </a:xfrm>
-          <a:prstGeom prst="rect">
-            <a:avLst/>
-          </a:prstGeom>
-          <a:solidFill>
-            <a:schemeClr val="bg2">
-              <a:lumMod val="75000"/>
-              <a:alpha val="28000"/>
-            </a:schemeClr>
-          </a:solidFill>
-        </p:spPr>
-        <p:txBody>
-          <a:bodyPr wrap="square" rtlCol="0">
-            <a:spAutoFit/>
-          </a:bodyPr>
-          <a:lstStyle/>
-          <a:p>
-            <a:pPr algn="ctr"/>
-            <a:r>
-              <a:rPr lang="en-US" altLang="ko-KR" sz="3200" dirty="0">
-                <a:latin typeface="휴먼매직체" panose="02030504000101010101" pitchFamily="18" charset="-127"/>
-                <a:ea typeface="휴먼매직체" panose="02030504000101010101" pitchFamily="18" charset="-127"/>
-              </a:rPr>
-              <a:t>DB </a:t>
-            </a:r>
-            <a:r>
-              <a:rPr lang="ko-KR" altLang="en-US" sz="3200" dirty="0">
-                <a:latin typeface="휴먼매직체" panose="02030504000101010101" pitchFamily="18" charset="-127"/>
-                <a:ea typeface="휴먼매직체" panose="02030504000101010101" pitchFamily="18" charset="-127"/>
-              </a:rPr>
-              <a:t>설계</a:t>
-            </a:r>
-          </a:p>
-        </p:txBody>
-      </p:sp>
-      <p:pic>
-        <p:nvPicPr>
-          <p:cNvPr id="1026" name="Picture 2">
-            <a:extLst>
-              <a:ext uri="{FF2B5EF4-FFF2-40B4-BE49-F238E27FC236}">
-                <a16:creationId xmlns:a16="http://schemas.microsoft.com/office/drawing/2014/main" id="{F772A5E7-09CE-4972-AE46-9A92DDC0D1B6}"/>
-              </a:ext>
-            </a:extLst>
-          </p:cNvPr>
-          <p:cNvPicPr>
-            <a:picLocks noChangeAspect="1" noChangeArrowheads="1"/>
-          </p:cNvPicPr>
-          <p:nvPr/>
-        </p:nvPicPr>
-        <p:blipFill>
-          <a:blip r:embed="rId3">
-            <a:extLst>
-              <a:ext uri="{28A0092B-C50C-407E-A947-70E740481C1C}">
-                <a14:useLocalDpi xmlns:a14="http://schemas.microsoft.com/office/drawing/2010/main" val="0"/>
-              </a:ext>
-            </a:extLst>
-          </a:blip>
-          <a:srcRect/>
-          <a:stretch>
-            <a:fillRect/>
-          </a:stretch>
-        </p:blipFill>
-        <p:spPr bwMode="auto">
-          <a:xfrm>
-            <a:off x="2662917" y="991601"/>
-            <a:ext cx="6023229" cy="5714345"/>
-          </a:xfrm>
-          <a:prstGeom prst="rect">
-            <a:avLst/>
-          </a:prstGeom>
-          <a:noFill/>
-          <a:ln w="38100">
-            <a:solidFill>
-              <a:schemeClr val="tx1">
-                <a:lumMod val="65000"/>
-                <a:lumOff val="35000"/>
-              </a:schemeClr>
-            </a:solidFill>
-          </a:ln>
-          <a:extLst>
-            <a:ext uri="{909E8E84-426E-40DD-AFC4-6F175D3DCCD1}">
-              <a14:hiddenFill xmlns:a14="http://schemas.microsoft.com/office/drawing/2010/main">
-                <a:solidFill>
-                  <a:srgbClr val="FFFFFF"/>
-                </a:solidFill>
-              </a14:hiddenFill>
-            </a:ext>
-          </a:extLst>
-        </p:spPr>
-      </p:pic>
-    </p:spTree>
-    <p:extLst>
-      <p:ext uri="{BB962C8B-B14F-4D97-AF65-F5344CB8AC3E}">
-        <p14:creationId xmlns:p14="http://schemas.microsoft.com/office/powerpoint/2010/main" val="1888831697"/>
-      </p:ext>
-    </p:extLst>
-  </p:cSld>
-  <p:clrMapOvr>
-    <a:masterClrMapping/>
-  </p:clrMapOvr>
-</p:sld>
-</file>
-
-<file path=ppt/slides/slide6.xml><?xml version="1.0" encoding="utf-8"?>
-<p:sld xmlns:a="http://schemas.openxmlformats.org/drawingml/2006/main" xmlns:r="http://schemas.openxmlformats.org/officeDocument/2006/relationships" xmlns:p="http://schemas.openxmlformats.org/presentationml/2006/main">
-  <p:cSld>
-    <p:spTree>
-      <p:nvGrpSpPr>
-        <p:cNvPr id="1" name="Shape 272"/>
-        <p:cNvGrpSpPr/>
-        <p:nvPr/>
-      </p:nvGrpSpPr>
-      <p:grpSpPr>
-        <a:xfrm>
-          <a:off x="0" y="0"/>
-          <a:ext cx="0" cy="0"/>
-          <a:chOff x="0" y="0"/>
-          <a:chExt cx="0" cy="0"/>
-        </a:xfrm>
-      </p:grpSpPr>
-      <p:grpSp>
-        <p:nvGrpSpPr>
-          <p:cNvPr id="46" name="Google Shape;170;p24">
-            <a:extLst>
-              <a:ext uri="{FF2B5EF4-FFF2-40B4-BE49-F238E27FC236}">
-                <a16:creationId xmlns:a16="http://schemas.microsoft.com/office/drawing/2014/main" id="{B76A02F2-3D12-412B-8A11-26CE48979DDB}"/>
-              </a:ext>
-            </a:extLst>
-          </p:cNvPr>
-          <p:cNvGrpSpPr/>
-          <p:nvPr/>
-        </p:nvGrpSpPr>
-        <p:grpSpPr>
-          <a:xfrm>
-            <a:off x="80506" y="104563"/>
-            <a:ext cx="5594026" cy="780618"/>
-            <a:chOff x="1151472" y="3187501"/>
-            <a:chExt cx="6552728" cy="914401"/>
-          </a:xfrm>
-        </p:grpSpPr>
-        <p:sp>
-          <p:nvSpPr>
-            <p:cNvPr id="47" name="Google Shape;171;p24">
-              <a:extLst>
-                <a:ext uri="{FF2B5EF4-FFF2-40B4-BE49-F238E27FC236}">
-                  <a16:creationId xmlns:a16="http://schemas.microsoft.com/office/drawing/2014/main" id="{F1E36D1D-7E74-408F-A821-9C69BAD39266}"/>
-                </a:ext>
-              </a:extLst>
-            </p:cNvPr>
-            <p:cNvSpPr/>
-            <p:nvPr/>
-          </p:nvSpPr>
-          <p:spPr>
-            <a:xfrm>
-              <a:off x="1633824" y="3347030"/>
-              <a:ext cx="6070376" cy="720001"/>
-            </a:xfrm>
-            <a:prstGeom prst="homePlate">
-              <a:avLst>
-                <a:gd name="adj" fmla="val 50000"/>
-              </a:avLst>
-            </a:prstGeom>
-            <a:solidFill>
-              <a:srgbClr val="9AD3E9"/>
-            </a:solidFill>
-            <a:ln>
-              <a:noFill/>
-            </a:ln>
-          </p:spPr>
-          <p:txBody>
-            <a:bodyPr spcFirstLastPara="1" wrap="square" lIns="121900" tIns="60933" rIns="121900" bIns="60933" anchor="ctr" anchorCtr="0">
-              <a:noAutofit/>
-            </a:bodyPr>
-            <a:lstStyle/>
-            <a:p>
-              <a:pPr algn="ctr"/>
-              <a:endParaRPr sz="2400" dirty="0">
-                <a:solidFill>
-                  <a:schemeClr val="lt1"/>
-                </a:solidFill>
-                <a:latin typeface="휴먼매직체" panose="02030504000101010101" pitchFamily="18" charset="-127"/>
-                <a:ea typeface="휴먼매직체" panose="02030504000101010101" pitchFamily="18" charset="-127"/>
-                <a:cs typeface="Arial"/>
-                <a:sym typeface="Arial"/>
-              </a:endParaRPr>
-            </a:p>
-          </p:txBody>
-        </p:sp>
-        <p:sp>
-          <p:nvSpPr>
-            <p:cNvPr id="48" name="Google Shape;172;p24">
-              <a:extLst>
-                <a:ext uri="{FF2B5EF4-FFF2-40B4-BE49-F238E27FC236}">
-                  <a16:creationId xmlns:a16="http://schemas.microsoft.com/office/drawing/2014/main" id="{113C7C38-1C3E-4EF6-A703-E5C79914A4E3}"/>
-                </a:ext>
-              </a:extLst>
-            </p:cNvPr>
-            <p:cNvSpPr/>
-            <p:nvPr/>
-          </p:nvSpPr>
-          <p:spPr>
-            <a:xfrm>
-              <a:off x="1935479" y="3284701"/>
-              <a:ext cx="5613314" cy="720001"/>
-            </a:xfrm>
-            <a:prstGeom prst="homePlate">
-              <a:avLst>
-                <a:gd name="adj" fmla="val 50000"/>
-              </a:avLst>
-            </a:prstGeom>
-            <a:solidFill>
-              <a:schemeClr val="lt1"/>
-            </a:solidFill>
-            <a:ln w="38100" cap="flat" cmpd="sng">
-              <a:solidFill>
-                <a:srgbClr val="9AD3E9"/>
-              </a:solidFill>
-              <a:prstDash val="solid"/>
-              <a:round/>
-              <a:headEnd type="none" w="sm" len="sm"/>
-              <a:tailEnd type="none" w="sm" len="sm"/>
-            </a:ln>
-          </p:spPr>
-          <p:txBody>
-            <a:bodyPr spcFirstLastPara="1" wrap="square" lIns="121900" tIns="60933" rIns="121900" bIns="60933" anchor="ctr" anchorCtr="0">
-              <a:noAutofit/>
-            </a:bodyPr>
-            <a:lstStyle/>
-            <a:p>
-              <a:pPr algn="ctr"/>
-              <a:r>
-                <a:rPr lang="ko-KR" altLang="en-US" sz="3200" dirty="0">
-                  <a:solidFill>
-                    <a:srgbClr val="3F3F3F"/>
-                  </a:solidFill>
-                  <a:latin typeface="휴먼매직체" panose="02030504000101010101" pitchFamily="18" charset="-127"/>
-                  <a:ea typeface="휴먼매직체" panose="02030504000101010101" pitchFamily="18" charset="-127"/>
-                  <a:cs typeface="Arial"/>
-                  <a:sym typeface="Arial"/>
-                </a:rPr>
-                <a:t>유 정환</a:t>
-              </a:r>
-            </a:p>
-          </p:txBody>
-        </p:sp>
-        <p:sp>
-          <p:nvSpPr>
-            <p:cNvPr id="87" name="Google Shape;173;p24">
-              <a:extLst>
-                <a:ext uri="{FF2B5EF4-FFF2-40B4-BE49-F238E27FC236}">
-                  <a16:creationId xmlns:a16="http://schemas.microsoft.com/office/drawing/2014/main" id="{1374B0BB-3998-428D-B979-4757FA855DD4}"/>
-                </a:ext>
-              </a:extLst>
-            </p:cNvPr>
-            <p:cNvSpPr/>
-            <p:nvPr/>
-          </p:nvSpPr>
-          <p:spPr>
-            <a:xfrm>
-              <a:off x="1151472" y="3187501"/>
-              <a:ext cx="914400" cy="914401"/>
-            </a:xfrm>
-            <a:prstGeom prst="diamond">
-              <a:avLst/>
-            </a:prstGeom>
-            <a:solidFill>
-              <a:srgbClr val="9AD3E9"/>
-            </a:solidFill>
-            <a:ln>
-              <a:noFill/>
-            </a:ln>
-          </p:spPr>
-          <p:txBody>
-            <a:bodyPr spcFirstLastPara="1" wrap="square" lIns="121900" tIns="60933" rIns="121900" bIns="60933" anchor="ctr" anchorCtr="0">
-              <a:noAutofit/>
-            </a:bodyPr>
-            <a:lstStyle/>
-            <a:p>
-              <a:pPr algn="ctr"/>
-              <a:r>
-                <a:rPr lang="en-US" altLang="ko-KR" sz="3733" b="1" dirty="0">
-                  <a:solidFill>
-                    <a:schemeClr val="lt1"/>
-                  </a:solidFill>
-                  <a:latin typeface="휴먼매직체" panose="02030504000101010101" pitchFamily="18" charset="-127"/>
-                  <a:ea typeface="휴먼매직체" panose="02030504000101010101" pitchFamily="18" charset="-127"/>
-                  <a:cs typeface="Arial"/>
-                  <a:sym typeface="Arial"/>
-                </a:rPr>
-                <a:t>2</a:t>
-              </a:r>
-              <a:endParaRPr sz="3733" b="1" dirty="0">
-                <a:solidFill>
-                  <a:schemeClr val="lt1"/>
-                </a:solidFill>
-                <a:latin typeface="휴먼매직체" panose="02030504000101010101" pitchFamily="18" charset="-127"/>
-                <a:ea typeface="휴먼매직체" panose="02030504000101010101" pitchFamily="18" charset="-127"/>
-                <a:cs typeface="Arial"/>
-                <a:sym typeface="Arial"/>
-              </a:endParaRPr>
-            </a:p>
-          </p:txBody>
-        </p:sp>
-      </p:grpSp>
-      <p:sp>
-        <p:nvSpPr>
-          <p:cNvPr id="24" name="TextBox 23">
-            <a:extLst>
-              <a:ext uri="{FF2B5EF4-FFF2-40B4-BE49-F238E27FC236}">
-                <a16:creationId xmlns:a16="http://schemas.microsoft.com/office/drawing/2014/main" id="{6D5A0B99-9741-45E9-B42B-DCB14BD1C969}"/>
-              </a:ext>
-            </a:extLst>
-          </p:cNvPr>
-          <p:cNvSpPr txBox="1"/>
-          <p:nvPr/>
-        </p:nvSpPr>
-        <p:spPr>
-          <a:xfrm>
-            <a:off x="7128588" y="86890"/>
-            <a:ext cx="3937519" cy="584775"/>
-          </a:xfrm>
-          <a:prstGeom prst="rect">
-            <a:avLst/>
-          </a:prstGeom>
-          <a:solidFill>
-            <a:schemeClr val="bg2">
-              <a:lumMod val="75000"/>
-              <a:alpha val="28000"/>
-            </a:schemeClr>
-          </a:solidFill>
-        </p:spPr>
-        <p:txBody>
-          <a:bodyPr wrap="square" rtlCol="0">
-            <a:spAutoFit/>
-          </a:bodyPr>
-          <a:lstStyle/>
-          <a:p>
-            <a:pPr algn="ctr"/>
-            <a:r>
-              <a:rPr lang="ko-KR" altLang="en-US" sz="3200" dirty="0">
-                <a:latin typeface="휴먼매직체" panose="02030504000101010101" pitchFamily="18" charset="-127"/>
-                <a:ea typeface="휴먼매직체" panose="02030504000101010101" pitchFamily="18" charset="-127"/>
-              </a:rPr>
-              <a:t>차후 일정</a:t>
-            </a:r>
-          </a:p>
-        </p:txBody>
-      </p:sp>
-      <p:sp>
-        <p:nvSpPr>
-          <p:cNvPr id="25" name="TextBox 24">
-            <a:extLst>
-              <a:ext uri="{FF2B5EF4-FFF2-40B4-BE49-F238E27FC236}">
-                <a16:creationId xmlns:a16="http://schemas.microsoft.com/office/drawing/2014/main" id="{CCD8D723-A9B6-40DE-A0DD-841BF5BB1655}"/>
-              </a:ext>
-            </a:extLst>
-          </p:cNvPr>
-          <p:cNvSpPr txBox="1"/>
-          <p:nvPr/>
-        </p:nvSpPr>
-        <p:spPr>
-          <a:xfrm>
-            <a:off x="1175362" y="1506175"/>
-            <a:ext cx="9407011" cy="4401205"/>
-          </a:xfrm>
-          <a:prstGeom prst="rect">
-            <a:avLst/>
-          </a:prstGeom>
-          <a:noFill/>
-        </p:spPr>
-        <p:txBody>
-          <a:bodyPr wrap="square" rtlCol="0">
-            <a:spAutoFit/>
-          </a:bodyPr>
-          <a:lstStyle/>
-          <a:p>
-            <a:pPr marL="285750" indent="-285750">
-              <a:buFont typeface="Arial" panose="020B0604020202020204" pitchFamily="34" charset="0"/>
-              <a:buChar char="•"/>
-            </a:pPr>
-            <a:r>
-              <a:rPr lang="en-US" altLang="ko-KR" sz="4000" dirty="0">
-                <a:latin typeface="휴먼매직체" panose="02030504000101010101" pitchFamily="18" charset="-127"/>
-                <a:ea typeface="휴먼매직체" panose="02030504000101010101" pitchFamily="18" charset="-127"/>
-              </a:rPr>
-              <a:t> DB </a:t>
-            </a:r>
-            <a:r>
-              <a:rPr lang="ko-KR" altLang="en-US" sz="4000" dirty="0">
-                <a:latin typeface="휴먼매직체" panose="02030504000101010101" pitchFamily="18" charset="-127"/>
-                <a:ea typeface="휴먼매직체" panose="02030504000101010101" pitchFamily="18" charset="-127"/>
-              </a:rPr>
-              <a:t>설계</a:t>
-            </a:r>
-            <a:r>
-              <a:rPr lang="en-US" altLang="ko-KR" sz="4000" dirty="0">
-                <a:latin typeface="휴먼매직체" panose="02030504000101010101" pitchFamily="18" charset="-127"/>
-                <a:ea typeface="휴먼매직체" panose="02030504000101010101" pitchFamily="18" charset="-127"/>
-              </a:rPr>
-              <a:t> </a:t>
-            </a:r>
-            <a:r>
-              <a:rPr lang="ko-KR" altLang="en-US" sz="4000" dirty="0">
-                <a:latin typeface="휴먼매직체" panose="02030504000101010101" pitchFamily="18" charset="-127"/>
-                <a:ea typeface="휴먼매직체" panose="02030504000101010101" pitchFamily="18" charset="-127"/>
-              </a:rPr>
-              <a:t>및 구현 테스트</a:t>
-            </a:r>
-            <a:endParaRPr lang="en-US" altLang="ko-KR" sz="4000" dirty="0">
-              <a:latin typeface="휴먼매직체" panose="02030504000101010101" pitchFamily="18" charset="-127"/>
-              <a:ea typeface="휴먼매직체" panose="02030504000101010101" pitchFamily="18" charset="-127"/>
-            </a:endParaRPr>
-          </a:p>
-          <a:p>
-            <a:br>
-              <a:rPr lang="en-US" altLang="ko-KR" sz="4000" dirty="0">
-                <a:latin typeface="휴먼매직체" panose="02030504000101010101" pitchFamily="18" charset="-127"/>
-                <a:ea typeface="휴먼매직체" panose="02030504000101010101" pitchFamily="18" charset="-127"/>
-              </a:rPr>
-            </a:br>
-            <a:endParaRPr lang="en-US" altLang="ko-KR" sz="4000" dirty="0">
-              <a:latin typeface="휴먼매직체" panose="02030504000101010101" pitchFamily="18" charset="-127"/>
-              <a:ea typeface="휴먼매직체" panose="02030504000101010101" pitchFamily="18" charset="-127"/>
-            </a:endParaRPr>
-          </a:p>
-          <a:p>
-            <a:pPr marL="285750" indent="-285750">
-              <a:buFont typeface="Arial" panose="020B0604020202020204" pitchFamily="34" charset="0"/>
-              <a:buChar char="•"/>
-            </a:pPr>
-            <a:r>
-              <a:rPr lang="en-US" altLang="ko-KR" sz="4000" dirty="0">
-                <a:latin typeface="휴먼매직체" panose="02030504000101010101" pitchFamily="18" charset="-127"/>
-                <a:ea typeface="휴먼매직체" panose="02030504000101010101" pitchFamily="18" charset="-127"/>
-              </a:rPr>
-              <a:t> </a:t>
-            </a:r>
-            <a:r>
-              <a:rPr lang="ko-KR" altLang="en-US" sz="4000" dirty="0">
-                <a:latin typeface="휴먼매직체" panose="02030504000101010101" pitchFamily="18" charset="-127"/>
-                <a:ea typeface="휴먼매직체" panose="02030504000101010101" pitchFamily="18" charset="-127"/>
-              </a:rPr>
-              <a:t>로그인 서버 최적화</a:t>
-            </a:r>
-            <a:endParaRPr lang="en-US" altLang="ko-KR" sz="4000" dirty="0">
-              <a:latin typeface="휴먼매직체" panose="02030504000101010101" pitchFamily="18" charset="-127"/>
-              <a:ea typeface="휴먼매직체" panose="02030504000101010101" pitchFamily="18" charset="-127"/>
-            </a:endParaRPr>
-          </a:p>
-          <a:p>
-            <a:pPr marL="285750" indent="-285750">
-              <a:buFont typeface="Arial" panose="020B0604020202020204" pitchFamily="34" charset="0"/>
-              <a:buChar char="•"/>
-            </a:pPr>
-            <a:endParaRPr lang="en-US" altLang="ko-KR" sz="4000" dirty="0">
-              <a:latin typeface="휴먼매직체" panose="02030504000101010101" pitchFamily="18" charset="-127"/>
-              <a:ea typeface="휴먼매직체" panose="02030504000101010101" pitchFamily="18" charset="-127"/>
-            </a:endParaRPr>
-          </a:p>
-          <a:p>
-            <a:pPr marL="285750" indent="-285750">
-              <a:buFont typeface="Arial" panose="020B0604020202020204" pitchFamily="34" charset="0"/>
-              <a:buChar char="•"/>
-            </a:pPr>
-            <a:endParaRPr lang="en-US" altLang="ko-KR" sz="4000" dirty="0">
-              <a:latin typeface="휴먼매직체" panose="02030504000101010101" pitchFamily="18" charset="-127"/>
-              <a:ea typeface="휴먼매직체" panose="02030504000101010101" pitchFamily="18" charset="-127"/>
-            </a:endParaRPr>
-          </a:p>
-          <a:p>
-            <a:pPr marL="285750" indent="-285750">
-              <a:buFont typeface="Arial" panose="020B0604020202020204" pitchFamily="34" charset="0"/>
-              <a:buChar char="•"/>
-            </a:pPr>
-            <a:r>
-              <a:rPr lang="en-US" altLang="ko-KR" sz="4000" dirty="0">
-                <a:latin typeface="휴먼매직체" panose="02030504000101010101" pitchFamily="18" charset="-127"/>
-                <a:ea typeface="휴먼매직체" panose="02030504000101010101" pitchFamily="18" charset="-127"/>
-              </a:rPr>
-              <a:t> </a:t>
-            </a:r>
-            <a:r>
-              <a:rPr lang="ko-KR" altLang="en-US" sz="4000" dirty="0">
-                <a:latin typeface="휴먼매직체" panose="02030504000101010101" pitchFamily="18" charset="-127"/>
-                <a:ea typeface="휴먼매직체" panose="02030504000101010101" pitchFamily="18" charset="-127"/>
-              </a:rPr>
-              <a:t>메인 서버</a:t>
-            </a:r>
-            <a:endParaRPr lang="en-US" altLang="ko-KR" sz="4000" dirty="0">
-              <a:latin typeface="휴먼매직체" panose="02030504000101010101" pitchFamily="18" charset="-127"/>
-              <a:ea typeface="휴먼매직체" panose="02030504000101010101" pitchFamily="18" charset="-127"/>
-            </a:endParaRPr>
-          </a:p>
-        </p:txBody>
-      </p:sp>
-    </p:spTree>
-    <p:extLst>
-      <p:ext uri="{BB962C8B-B14F-4D97-AF65-F5344CB8AC3E}">
-        <p14:creationId xmlns:p14="http://schemas.microsoft.com/office/powerpoint/2010/main" val="424008427"/>
-      </p:ext>
-    </p:extLst>
-  </p:cSld>
-  <p:clrMapOvr>
-    <a:masterClrMapping/>
-  </p:clrMapOvr>
-</p:sld>
-</file>
-
-<file path=ppt/slides/slide7.xml><?xml version="1.0" encoding="utf-8"?>
-<p:sld xmlns:a="http://schemas.openxmlformats.org/drawingml/2006/main" xmlns:r="http://schemas.openxmlformats.org/officeDocument/2006/relationships" xmlns:p="http://schemas.openxmlformats.org/presentationml/2006/main">
-  <p:cSld>
-    <p:spTree>
-      <p:nvGrpSpPr>
-        <p:cNvPr id="1" name="Shape 272"/>
-        <p:cNvGrpSpPr/>
-        <p:nvPr/>
-      </p:nvGrpSpPr>
-      <p:grpSpPr>
-        <a:xfrm>
-          <a:off x="0" y="0"/>
-          <a:ext cx="0" cy="0"/>
-          <a:chOff x="0" y="0"/>
-          <a:chExt cx="0" cy="0"/>
-        </a:xfrm>
-      </p:grpSpPr>
-      <p:grpSp>
-        <p:nvGrpSpPr>
-          <p:cNvPr id="8" name="Google Shape;174;p24">
-            <a:extLst>
-              <a:ext uri="{FF2B5EF4-FFF2-40B4-BE49-F238E27FC236}">
-                <a16:creationId xmlns:a16="http://schemas.microsoft.com/office/drawing/2014/main" id="{9DFBC73D-46D9-4A60-8843-8C505D7F9CC3}"/>
-              </a:ext>
-            </a:extLst>
-          </p:cNvPr>
-          <p:cNvGrpSpPr/>
-          <p:nvPr/>
-        </p:nvGrpSpPr>
-        <p:grpSpPr>
-          <a:xfrm>
-            <a:off x="102984" y="95222"/>
-            <a:ext cx="5594026" cy="780618"/>
-            <a:chOff x="1151472" y="3187501"/>
-            <a:chExt cx="6552728" cy="914400"/>
-          </a:xfrm>
-        </p:grpSpPr>
-        <p:sp>
-          <p:nvSpPr>
-            <p:cNvPr id="9" name="Google Shape;175;p24">
-              <a:extLst>
-                <a:ext uri="{FF2B5EF4-FFF2-40B4-BE49-F238E27FC236}">
-                  <a16:creationId xmlns:a16="http://schemas.microsoft.com/office/drawing/2014/main" id="{C2AB861F-2F17-4077-9406-82EE6DC30262}"/>
-                </a:ext>
-              </a:extLst>
-            </p:cNvPr>
-            <p:cNvSpPr/>
-            <p:nvPr/>
-          </p:nvSpPr>
-          <p:spPr>
-            <a:xfrm>
-              <a:off x="1633824" y="3347030"/>
-              <a:ext cx="6070376" cy="720000"/>
-            </a:xfrm>
-            <a:prstGeom prst="homePlate">
-              <a:avLst>
-                <a:gd name="adj" fmla="val 50000"/>
-              </a:avLst>
-            </a:prstGeom>
-            <a:solidFill>
-              <a:srgbClr val="98DFBB"/>
-            </a:solidFill>
-            <a:ln>
-              <a:noFill/>
-            </a:ln>
-          </p:spPr>
-          <p:txBody>
-            <a:bodyPr spcFirstLastPara="1" wrap="square" lIns="121900" tIns="60933" rIns="121900" bIns="60933" anchor="ctr" anchorCtr="0">
-              <a:noAutofit/>
-            </a:bodyPr>
-            <a:lstStyle/>
-            <a:p>
-              <a:pPr algn="ctr"/>
-              <a:endParaRPr sz="2400">
-                <a:solidFill>
-                  <a:schemeClr val="lt1"/>
-                </a:solidFill>
-                <a:latin typeface="휴먼매직체" panose="02030504000101010101" pitchFamily="18" charset="-127"/>
-                <a:ea typeface="휴먼매직체" panose="02030504000101010101" pitchFamily="18" charset="-127"/>
-                <a:cs typeface="Arial"/>
-                <a:sym typeface="Arial"/>
-              </a:endParaRPr>
-            </a:p>
-          </p:txBody>
-        </p:sp>
-        <p:sp>
-          <p:nvSpPr>
-            <p:cNvPr id="10" name="Google Shape;176;p24">
-              <a:extLst>
-                <a:ext uri="{FF2B5EF4-FFF2-40B4-BE49-F238E27FC236}">
-                  <a16:creationId xmlns:a16="http://schemas.microsoft.com/office/drawing/2014/main" id="{4DAC8B5E-40FF-4DF6-9A6F-8A6C41722374}"/>
-                </a:ext>
-              </a:extLst>
-            </p:cNvPr>
-            <p:cNvSpPr/>
-            <p:nvPr/>
-          </p:nvSpPr>
-          <p:spPr>
-            <a:xfrm>
-              <a:off x="1962704" y="3284701"/>
-              <a:ext cx="5586089" cy="720000"/>
-            </a:xfrm>
-            <a:prstGeom prst="homePlate">
-              <a:avLst>
-                <a:gd name="adj" fmla="val 50000"/>
-              </a:avLst>
-            </a:prstGeom>
-            <a:solidFill>
-              <a:schemeClr val="lt1"/>
-            </a:solidFill>
-            <a:ln w="38100" cap="flat" cmpd="sng">
-              <a:solidFill>
-                <a:srgbClr val="98DFBB"/>
-              </a:solidFill>
-              <a:prstDash val="solid"/>
-              <a:round/>
-              <a:headEnd type="none" w="sm" len="sm"/>
-              <a:tailEnd type="none" w="sm" len="sm"/>
-            </a:ln>
-          </p:spPr>
-          <p:txBody>
-            <a:bodyPr spcFirstLastPara="1" wrap="square" lIns="121900" tIns="60933" rIns="121900" bIns="60933" anchor="ctr" anchorCtr="0">
-              <a:noAutofit/>
-            </a:bodyPr>
-            <a:lstStyle/>
-            <a:p>
-              <a:pPr algn="ctr"/>
-              <a:r>
-                <a:rPr lang="ko-KR" altLang="en-US" sz="3200" dirty="0">
-                  <a:solidFill>
-                    <a:srgbClr val="3F3F3F"/>
-                  </a:solidFill>
-                  <a:latin typeface="휴먼매직체" panose="02030504000101010101" pitchFamily="18" charset="-127"/>
-                  <a:ea typeface="휴먼매직체" panose="02030504000101010101" pitchFamily="18" charset="-127"/>
-                  <a:cs typeface="Arial"/>
-                  <a:sym typeface="Arial"/>
-                </a:rPr>
-                <a:t>이 원형</a:t>
-              </a:r>
-            </a:p>
-          </p:txBody>
-        </p:sp>
-        <p:sp>
-          <p:nvSpPr>
-            <p:cNvPr id="11" name="Google Shape;177;p24">
-              <a:extLst>
-                <a:ext uri="{FF2B5EF4-FFF2-40B4-BE49-F238E27FC236}">
-                  <a16:creationId xmlns:a16="http://schemas.microsoft.com/office/drawing/2014/main" id="{F4C7C200-F669-4ABD-BB30-181A5A1E6855}"/>
-                </a:ext>
-              </a:extLst>
-            </p:cNvPr>
-            <p:cNvSpPr/>
-            <p:nvPr/>
-          </p:nvSpPr>
-          <p:spPr>
-            <a:xfrm>
-              <a:off x="1151472" y="3187501"/>
-              <a:ext cx="914400" cy="914400"/>
-            </a:xfrm>
-            <a:prstGeom prst="diamond">
-              <a:avLst/>
-            </a:prstGeom>
-            <a:solidFill>
-              <a:srgbClr val="98DFBB"/>
-            </a:solidFill>
-            <a:ln>
-              <a:noFill/>
-            </a:ln>
-          </p:spPr>
-          <p:txBody>
-            <a:bodyPr spcFirstLastPara="1" wrap="square" lIns="121900" tIns="60933" rIns="121900" bIns="60933" anchor="ctr" anchorCtr="0">
-              <a:noAutofit/>
-            </a:bodyPr>
-            <a:lstStyle/>
-            <a:p>
-              <a:pPr algn="ctr"/>
-              <a:r>
-                <a:rPr lang="en-US" altLang="ko-KR" sz="3733" b="1" dirty="0">
-                  <a:solidFill>
-                    <a:schemeClr val="lt1"/>
-                  </a:solidFill>
-                  <a:latin typeface="휴먼매직체" panose="02030504000101010101" pitchFamily="18" charset="-127"/>
-                  <a:ea typeface="휴먼매직체" panose="02030504000101010101" pitchFamily="18" charset="-127"/>
-                  <a:cs typeface="Arial"/>
-                  <a:sym typeface="Arial"/>
-                </a:rPr>
-                <a:t>3</a:t>
-              </a:r>
-            </a:p>
-          </p:txBody>
-        </p:sp>
-      </p:grpSp>
-      <p:sp>
-        <p:nvSpPr>
-          <p:cNvPr id="7" name="TextBox 6">
-            <a:extLst>
-              <a:ext uri="{FF2B5EF4-FFF2-40B4-BE49-F238E27FC236}">
-                <a16:creationId xmlns:a16="http://schemas.microsoft.com/office/drawing/2014/main" id="{1C6E57DE-FE5F-46B3-B8FC-2BB7BA7AED94}"/>
-              </a:ext>
-            </a:extLst>
-          </p:cNvPr>
-          <p:cNvSpPr txBox="1"/>
-          <p:nvPr/>
-        </p:nvSpPr>
-        <p:spPr>
-          <a:xfrm>
-            <a:off x="7128588" y="86890"/>
-            <a:ext cx="3937519" cy="584775"/>
-          </a:xfrm>
-          <a:prstGeom prst="rect">
-            <a:avLst/>
-          </a:prstGeom>
-          <a:solidFill>
-            <a:schemeClr val="bg2">
-              <a:lumMod val="75000"/>
-              <a:alpha val="28000"/>
-            </a:schemeClr>
-          </a:solidFill>
-        </p:spPr>
-        <p:txBody>
-          <a:bodyPr wrap="square" rtlCol="0">
-            <a:spAutoFit/>
-          </a:bodyPr>
-          <a:lstStyle/>
-          <a:p>
-            <a:pPr algn="ctr"/>
-            <a:r>
-              <a:rPr lang="ko-KR" altLang="en-US" sz="3200" dirty="0">
-                <a:latin typeface="휴먼매직체" panose="02030504000101010101" pitchFamily="18" charset="-127"/>
-                <a:ea typeface="휴먼매직체" panose="02030504000101010101" pitchFamily="18" charset="-127"/>
-              </a:rPr>
-              <a:t>차후 일정</a:t>
-            </a:r>
-          </a:p>
-        </p:txBody>
-      </p:sp>
-      <p:sp>
-        <p:nvSpPr>
-          <p:cNvPr id="12" name="TextBox 11">
-            <a:extLst>
-              <a:ext uri="{FF2B5EF4-FFF2-40B4-BE49-F238E27FC236}">
-                <a16:creationId xmlns:a16="http://schemas.microsoft.com/office/drawing/2014/main" id="{88322423-5D4B-433F-8987-CA05320970C8}"/>
-              </a:ext>
-            </a:extLst>
-          </p:cNvPr>
-          <p:cNvSpPr txBox="1"/>
-          <p:nvPr/>
-        </p:nvSpPr>
-        <p:spPr>
-          <a:xfrm>
-            <a:off x="1175362" y="1506175"/>
-            <a:ext cx="9407011" cy="4401205"/>
-          </a:xfrm>
-          <a:prstGeom prst="rect">
-            <a:avLst/>
-          </a:prstGeom>
-          <a:noFill/>
-        </p:spPr>
-        <p:txBody>
-          <a:bodyPr wrap="square" rtlCol="0">
-            <a:spAutoFit/>
-          </a:bodyPr>
-          <a:lstStyle/>
-          <a:p>
-            <a:pPr marL="285750" indent="-285750">
-              <a:buFont typeface="Arial" panose="020B0604020202020204" pitchFamily="34" charset="0"/>
-              <a:buChar char="•"/>
-            </a:pPr>
-            <a:r>
-              <a:rPr lang="en-US" altLang="ko-KR" sz="4000" dirty="0">
-                <a:latin typeface="휴먼매직체" panose="02030504000101010101" pitchFamily="18" charset="-127"/>
-                <a:ea typeface="휴먼매직체" panose="02030504000101010101" pitchFamily="18" charset="-127"/>
-              </a:rPr>
-              <a:t> </a:t>
-            </a:r>
-            <a:r>
-              <a:rPr lang="ko-KR" altLang="en-US" sz="4000" dirty="0">
-                <a:latin typeface="휴먼매직체" panose="02030504000101010101" pitchFamily="18" charset="-127"/>
-                <a:ea typeface="휴먼매직체" panose="02030504000101010101" pitchFamily="18" charset="-127"/>
-              </a:rPr>
-              <a:t>채팅</a:t>
-            </a:r>
-            <a:r>
-              <a:rPr lang="en-US" altLang="ko-KR" sz="4000" dirty="0">
-                <a:latin typeface="휴먼매직체" panose="02030504000101010101" pitchFamily="18" charset="-127"/>
-                <a:ea typeface="휴먼매직체" panose="02030504000101010101" pitchFamily="18" charset="-127"/>
-              </a:rPr>
-              <a:t> </a:t>
-            </a:r>
-            <a:r>
-              <a:rPr lang="ko-KR" altLang="en-US" sz="4000" dirty="0">
-                <a:latin typeface="휴먼매직체" panose="02030504000101010101" pitchFamily="18" charset="-127"/>
-                <a:ea typeface="휴먼매직체" panose="02030504000101010101" pitchFamily="18" charset="-127"/>
-              </a:rPr>
-              <a:t>기능</a:t>
-            </a:r>
-            <a:r>
-              <a:rPr lang="en-US" altLang="ko-KR" sz="4000" dirty="0">
-                <a:latin typeface="휴먼매직체" panose="02030504000101010101" pitchFamily="18" charset="-127"/>
-                <a:ea typeface="휴먼매직체" panose="02030504000101010101" pitchFamily="18" charset="-127"/>
-              </a:rPr>
-              <a:t> </a:t>
-            </a:r>
-            <a:r>
-              <a:rPr lang="ko-KR" altLang="en-US" sz="4000" dirty="0">
-                <a:latin typeface="휴먼매직체" panose="02030504000101010101" pitchFamily="18" charset="-127"/>
-                <a:ea typeface="휴먼매직체" panose="02030504000101010101" pitchFamily="18" charset="-127"/>
-              </a:rPr>
-              <a:t>구현</a:t>
-            </a:r>
-            <a:endParaRPr lang="en-US" altLang="ko-KR" sz="4000" dirty="0">
-              <a:latin typeface="휴먼매직체" panose="02030504000101010101" pitchFamily="18" charset="-127"/>
-              <a:ea typeface="휴먼매직체" panose="02030504000101010101" pitchFamily="18" charset="-127"/>
-            </a:endParaRPr>
-          </a:p>
-          <a:p>
-            <a:br>
-              <a:rPr lang="en-US" altLang="ko-KR" sz="4000" dirty="0">
-                <a:latin typeface="휴먼매직체" panose="02030504000101010101" pitchFamily="18" charset="-127"/>
-                <a:ea typeface="휴먼매직체" panose="02030504000101010101" pitchFamily="18" charset="-127"/>
-              </a:rPr>
-            </a:br>
-            <a:endParaRPr lang="en-US" altLang="ko-KR" sz="4000" dirty="0">
-              <a:latin typeface="휴먼매직체" panose="02030504000101010101" pitchFamily="18" charset="-127"/>
-              <a:ea typeface="휴먼매직체" panose="02030504000101010101" pitchFamily="18" charset="-127"/>
-            </a:endParaRPr>
-          </a:p>
-          <a:p>
-            <a:pPr marL="285750" indent="-285750">
-              <a:buFont typeface="Arial" panose="020B0604020202020204" pitchFamily="34" charset="0"/>
-              <a:buChar char="•"/>
-            </a:pPr>
-            <a:r>
-              <a:rPr lang="en-US" altLang="ko-KR" sz="4000" dirty="0">
-                <a:latin typeface="휴먼매직체" panose="02030504000101010101" pitchFamily="18" charset="-127"/>
-                <a:ea typeface="휴먼매직체" panose="02030504000101010101" pitchFamily="18" charset="-127"/>
-              </a:rPr>
-              <a:t> </a:t>
-            </a:r>
-            <a:r>
-              <a:rPr lang="ko-KR" altLang="en-US" sz="4000" dirty="0">
-                <a:latin typeface="휴먼매직체" panose="02030504000101010101" pitchFamily="18" charset="-127"/>
-                <a:ea typeface="휴먼매직체" panose="02030504000101010101" pitchFamily="18" charset="-127"/>
-              </a:rPr>
-              <a:t>친구 기능 구현</a:t>
-            </a:r>
-            <a:br>
-              <a:rPr lang="en-US" altLang="ko-KR" sz="4000" dirty="0">
-                <a:latin typeface="휴먼매직체" panose="02030504000101010101" pitchFamily="18" charset="-127"/>
-                <a:ea typeface="휴먼매직체" panose="02030504000101010101" pitchFamily="18" charset="-127"/>
-              </a:rPr>
-            </a:br>
-            <a:br>
-              <a:rPr lang="en-US" altLang="ko-KR" sz="4000" dirty="0">
-                <a:latin typeface="휴먼매직체" panose="02030504000101010101" pitchFamily="18" charset="-127"/>
-                <a:ea typeface="휴먼매직체" panose="02030504000101010101" pitchFamily="18" charset="-127"/>
-              </a:rPr>
-            </a:br>
-            <a:endParaRPr lang="en-US" altLang="ko-KR" sz="4000" dirty="0">
-              <a:latin typeface="휴먼매직체" panose="02030504000101010101" pitchFamily="18" charset="-127"/>
-              <a:ea typeface="휴먼매직체" panose="02030504000101010101" pitchFamily="18" charset="-127"/>
-            </a:endParaRPr>
-          </a:p>
-          <a:p>
-            <a:pPr marL="285750" indent="-285750">
-              <a:buFont typeface="Arial" panose="020B0604020202020204" pitchFamily="34" charset="0"/>
-              <a:buChar char="•"/>
-            </a:pPr>
-            <a:r>
-              <a:rPr lang="ko-KR" altLang="en-US" sz="4000" dirty="0">
-                <a:latin typeface="휴먼매직체" panose="02030504000101010101" pitchFamily="18" charset="-127"/>
-                <a:ea typeface="휴먼매직체" panose="02030504000101010101" pitchFamily="18" charset="-127"/>
-              </a:rPr>
-              <a:t> 길드 기능 구현</a:t>
-            </a:r>
-          </a:p>
-        </p:txBody>
-      </p:sp>
-    </p:spTree>
-    <p:extLst>
-      <p:ext uri="{BB962C8B-B14F-4D97-AF65-F5344CB8AC3E}">
-        <p14:creationId xmlns:p14="http://schemas.microsoft.com/office/powerpoint/2010/main" val="3138657107"/>
-      </p:ext>
-    </p:extLst>
-  </p:cSld>
-  <p:clrMapOvr>
-    <a:masterClrMapping/>
-  </p:clrMapOvr>
-</p:sld>
-</file>
-
-<file path=ppt/slides/slide8.xml><?xml version="1.0" encoding="utf-8"?>
 <p:sld xmlns:a="http://schemas.openxmlformats.org/drawingml/2006/main" xmlns:r="http://schemas.openxmlformats.org/officeDocument/2006/relationships" xmlns:p="http://schemas.openxmlformats.org/presentationml/2006/main">
   <p:cSld>
     <p:spTree>
@@ -10093,6 +8190,1918 @@
     <p:extLst>
       <p:ext uri="{BB962C8B-B14F-4D97-AF65-F5344CB8AC3E}">
         <p14:creationId xmlns:p14="http://schemas.microsoft.com/office/powerpoint/2010/main" val="1733055080"/>
+      </p:ext>
+    </p:extLst>
+  </p:cSld>
+  <p:clrMapOvr>
+    <a:masterClrMapping/>
+  </p:clrMapOvr>
+</p:sld>
+</file>
+
+<file path=ppt/slides/slide4.xml><?xml version="1.0" encoding="utf-8"?>
+<p:sld xmlns:a="http://schemas.openxmlformats.org/drawingml/2006/main" xmlns:r="http://schemas.openxmlformats.org/officeDocument/2006/relationships" xmlns:p="http://schemas.openxmlformats.org/presentationml/2006/main">
+  <p:cSld>
+    <p:spTree>
+      <p:nvGrpSpPr>
+        <p:cNvPr id="1" name="Shape 272"/>
+        <p:cNvGrpSpPr/>
+        <p:nvPr/>
+      </p:nvGrpSpPr>
+      <p:grpSpPr>
+        <a:xfrm>
+          <a:off x="0" y="0"/>
+          <a:ext cx="0" cy="0"/>
+          <a:chOff x="0" y="0"/>
+          <a:chExt cx="0" cy="0"/>
+        </a:xfrm>
+      </p:grpSpPr>
+      <p:grpSp>
+        <p:nvGrpSpPr>
+          <p:cNvPr id="17" name="Google Shape;166;p24">
+            <a:extLst>
+              <a:ext uri="{FF2B5EF4-FFF2-40B4-BE49-F238E27FC236}">
+                <a16:creationId xmlns:a16="http://schemas.microsoft.com/office/drawing/2014/main" id="{0734B3FF-493A-4208-9AA7-167B9D10B976}"/>
+              </a:ext>
+            </a:extLst>
+          </p:cNvPr>
+          <p:cNvGrpSpPr/>
+          <p:nvPr/>
+        </p:nvGrpSpPr>
+        <p:grpSpPr>
+          <a:xfrm>
+            <a:off x="80505" y="86890"/>
+            <a:ext cx="5594022" cy="780618"/>
+            <a:chOff x="1151472" y="3187501"/>
+            <a:chExt cx="6552728" cy="914400"/>
+          </a:xfrm>
+        </p:grpSpPr>
+        <p:sp>
+          <p:nvSpPr>
+            <p:cNvPr id="18" name="Google Shape;167;p24">
+              <a:extLst>
+                <a:ext uri="{FF2B5EF4-FFF2-40B4-BE49-F238E27FC236}">
+                  <a16:creationId xmlns:a16="http://schemas.microsoft.com/office/drawing/2014/main" id="{164701B7-40D9-4BB3-96AE-4C30F3751EEB}"/>
+                </a:ext>
+              </a:extLst>
+            </p:cNvPr>
+            <p:cNvSpPr/>
+            <p:nvPr/>
+          </p:nvSpPr>
+          <p:spPr>
+            <a:xfrm>
+              <a:off x="1633824" y="3347030"/>
+              <a:ext cx="6070376" cy="720000"/>
+            </a:xfrm>
+            <a:prstGeom prst="homePlate">
+              <a:avLst>
+                <a:gd name="adj" fmla="val 50000"/>
+              </a:avLst>
+            </a:prstGeom>
+            <a:solidFill>
+              <a:srgbClr val="A4B4EA"/>
+            </a:solidFill>
+            <a:ln>
+              <a:noFill/>
+            </a:ln>
+          </p:spPr>
+          <p:txBody>
+            <a:bodyPr spcFirstLastPara="1" wrap="square" lIns="121900" tIns="60933" rIns="121900" bIns="60933" anchor="ctr" anchorCtr="0">
+              <a:noAutofit/>
+            </a:bodyPr>
+            <a:lstStyle/>
+            <a:p>
+              <a:pPr algn="ctr"/>
+              <a:endParaRPr sz="2400">
+                <a:solidFill>
+                  <a:schemeClr val="lt1"/>
+                </a:solidFill>
+                <a:latin typeface="휴먼매직체" panose="02030504000101010101" pitchFamily="18" charset="-127"/>
+                <a:ea typeface="휴먼매직체" panose="02030504000101010101" pitchFamily="18" charset="-127"/>
+                <a:cs typeface="Arial"/>
+                <a:sym typeface="Arial"/>
+              </a:endParaRPr>
+            </a:p>
+          </p:txBody>
+        </p:sp>
+        <p:sp>
+          <p:nvSpPr>
+            <p:cNvPr id="19" name="Google Shape;168;p24">
+              <a:extLst>
+                <a:ext uri="{FF2B5EF4-FFF2-40B4-BE49-F238E27FC236}">
+                  <a16:creationId xmlns:a16="http://schemas.microsoft.com/office/drawing/2014/main" id="{907872F3-C1CD-4551-B8BC-305847C379AB}"/>
+                </a:ext>
+              </a:extLst>
+            </p:cNvPr>
+            <p:cNvSpPr/>
+            <p:nvPr/>
+          </p:nvSpPr>
+          <p:spPr>
+            <a:xfrm>
+              <a:off x="1946192" y="3284701"/>
+              <a:ext cx="5602603" cy="720000"/>
+            </a:xfrm>
+            <a:prstGeom prst="homePlate">
+              <a:avLst>
+                <a:gd name="adj" fmla="val 50000"/>
+              </a:avLst>
+            </a:prstGeom>
+            <a:solidFill>
+              <a:schemeClr val="lt1"/>
+            </a:solidFill>
+            <a:ln w="38100" cap="flat" cmpd="sng">
+              <a:solidFill>
+                <a:srgbClr val="A4B4EA"/>
+              </a:solidFill>
+              <a:prstDash val="solid"/>
+              <a:round/>
+              <a:headEnd type="none" w="sm" len="sm"/>
+              <a:tailEnd type="none" w="sm" len="sm"/>
+            </a:ln>
+          </p:spPr>
+          <p:txBody>
+            <a:bodyPr spcFirstLastPara="1" wrap="square" lIns="121900" tIns="60933" rIns="121900" bIns="60933" anchor="ctr" anchorCtr="0">
+              <a:noAutofit/>
+            </a:bodyPr>
+            <a:lstStyle/>
+            <a:p>
+              <a:pPr algn="ctr"/>
+              <a:r>
+                <a:rPr lang="ko-KR" altLang="en-US" sz="3200" dirty="0">
+                  <a:solidFill>
+                    <a:srgbClr val="3F3F3F"/>
+                  </a:solidFill>
+                  <a:latin typeface="휴먼매직체" panose="02030504000101010101" pitchFamily="18" charset="-127"/>
+                  <a:ea typeface="휴먼매직체" panose="02030504000101010101" pitchFamily="18" charset="-127"/>
+                  <a:cs typeface="Arial"/>
+                  <a:sym typeface="Arial"/>
+                </a:rPr>
+                <a:t>김 도훈</a:t>
+              </a:r>
+              <a:endParaRPr lang="ko-KR" altLang="en-US" sz="3200" dirty="0">
+                <a:solidFill>
+                  <a:schemeClr val="lt1"/>
+                </a:solidFill>
+                <a:latin typeface="휴먼매직체" panose="02030504000101010101" pitchFamily="18" charset="-127"/>
+                <a:ea typeface="휴먼매직체" panose="02030504000101010101" pitchFamily="18" charset="-127"/>
+                <a:cs typeface="Arial"/>
+                <a:sym typeface="Arial"/>
+              </a:endParaRPr>
+            </a:p>
+          </p:txBody>
+        </p:sp>
+        <p:sp>
+          <p:nvSpPr>
+            <p:cNvPr id="20" name="Google Shape;169;p24">
+              <a:extLst>
+                <a:ext uri="{FF2B5EF4-FFF2-40B4-BE49-F238E27FC236}">
+                  <a16:creationId xmlns:a16="http://schemas.microsoft.com/office/drawing/2014/main" id="{1B436BB8-6B8D-48CD-B625-8CA49193491C}"/>
+                </a:ext>
+              </a:extLst>
+            </p:cNvPr>
+            <p:cNvSpPr/>
+            <p:nvPr/>
+          </p:nvSpPr>
+          <p:spPr>
+            <a:xfrm>
+              <a:off x="1151472" y="3187501"/>
+              <a:ext cx="914400" cy="914400"/>
+            </a:xfrm>
+            <a:prstGeom prst="diamond">
+              <a:avLst/>
+            </a:prstGeom>
+            <a:solidFill>
+              <a:srgbClr val="A4B4EA"/>
+            </a:solidFill>
+            <a:ln>
+              <a:noFill/>
+            </a:ln>
+          </p:spPr>
+          <p:txBody>
+            <a:bodyPr spcFirstLastPara="1" wrap="square" lIns="121900" tIns="60933" rIns="121900" bIns="60933" anchor="ctr" anchorCtr="0">
+              <a:noAutofit/>
+            </a:bodyPr>
+            <a:lstStyle/>
+            <a:p>
+              <a:pPr algn="ctr"/>
+              <a:r>
+                <a:rPr lang="en-US" altLang="ko-KR" sz="3733" b="1" dirty="0">
+                  <a:solidFill>
+                    <a:schemeClr val="lt1"/>
+                  </a:solidFill>
+                  <a:latin typeface="휴먼매직체" panose="02030504000101010101" pitchFamily="18" charset="-127"/>
+                  <a:ea typeface="휴먼매직체" panose="02030504000101010101" pitchFamily="18" charset="-127"/>
+                  <a:cs typeface="Arial"/>
+                  <a:sym typeface="Arial"/>
+                </a:rPr>
+                <a:t>2</a:t>
+              </a:r>
+              <a:endParaRPr sz="3733" b="1" dirty="0">
+                <a:solidFill>
+                  <a:schemeClr val="lt1"/>
+                </a:solidFill>
+                <a:latin typeface="휴먼매직체" panose="02030504000101010101" pitchFamily="18" charset="-127"/>
+                <a:ea typeface="휴먼매직체" panose="02030504000101010101" pitchFamily="18" charset="-127"/>
+                <a:cs typeface="Arial"/>
+                <a:sym typeface="Arial"/>
+              </a:endParaRPr>
+            </a:p>
+          </p:txBody>
+        </p:sp>
+      </p:grpSp>
+      <p:sp>
+        <p:nvSpPr>
+          <p:cNvPr id="21" name="TextBox 20">
+            <a:extLst>
+              <a:ext uri="{FF2B5EF4-FFF2-40B4-BE49-F238E27FC236}">
+                <a16:creationId xmlns:a16="http://schemas.microsoft.com/office/drawing/2014/main" id="{21C7F6A9-BB05-4441-A929-68A36BC6A3A3}"/>
+              </a:ext>
+            </a:extLst>
+          </p:cNvPr>
+          <p:cNvSpPr txBox="1"/>
+          <p:nvPr/>
+        </p:nvSpPr>
+        <p:spPr>
+          <a:xfrm>
+            <a:off x="7128588" y="86890"/>
+            <a:ext cx="3937519" cy="584775"/>
+          </a:xfrm>
+          <a:prstGeom prst="rect">
+            <a:avLst/>
+          </a:prstGeom>
+          <a:solidFill>
+            <a:schemeClr val="bg2">
+              <a:lumMod val="75000"/>
+              <a:alpha val="28000"/>
+            </a:schemeClr>
+          </a:solidFill>
+        </p:spPr>
+        <p:txBody>
+          <a:bodyPr wrap="square" rtlCol="0">
+            <a:spAutoFit/>
+          </a:bodyPr>
+          <a:lstStyle/>
+          <a:p>
+            <a:pPr algn="ctr"/>
+            <a:r>
+              <a:rPr lang="en-US" altLang="ko-KR" sz="3200" dirty="0">
+                <a:latin typeface="휴먼매직체" panose="02030504000101010101" pitchFamily="18" charset="-127"/>
+                <a:ea typeface="휴먼매직체" panose="02030504000101010101" pitchFamily="18" charset="-127"/>
+              </a:rPr>
+              <a:t>Event Process</a:t>
+            </a:r>
+            <a:endParaRPr lang="ko-KR" altLang="en-US" sz="3200" dirty="0">
+              <a:latin typeface="휴먼매직체" panose="02030504000101010101" pitchFamily="18" charset="-127"/>
+              <a:ea typeface="휴먼매직체" panose="02030504000101010101" pitchFamily="18" charset="-127"/>
+            </a:endParaRPr>
+          </a:p>
+        </p:txBody>
+      </p:sp>
+      <p:pic>
+        <p:nvPicPr>
+          <p:cNvPr id="4" name="그림 3" descr="텍스트이(가) 표시된 사진&#10;&#10;자동 생성된 설명">
+            <a:extLst>
+              <a:ext uri="{FF2B5EF4-FFF2-40B4-BE49-F238E27FC236}">
+                <a16:creationId xmlns:a16="http://schemas.microsoft.com/office/drawing/2014/main" id="{2DF65168-E28B-42A5-94EB-970EBB5957EA}"/>
+              </a:ext>
+            </a:extLst>
+          </p:cNvPr>
+          <p:cNvPicPr>
+            <a:picLocks noChangeAspect="1"/>
+          </p:cNvPicPr>
+          <p:nvPr/>
+        </p:nvPicPr>
+        <p:blipFill>
+          <a:blip r:embed="rId3">
+            <a:extLst>
+              <a:ext uri="{28A0092B-C50C-407E-A947-70E740481C1C}">
+                <a14:useLocalDpi xmlns:a14="http://schemas.microsoft.com/office/drawing/2010/main" val="0"/>
+              </a:ext>
+            </a:extLst>
+          </a:blip>
+          <a:stretch>
+            <a:fillRect/>
+          </a:stretch>
+        </p:blipFill>
+        <p:spPr>
+          <a:xfrm>
+            <a:off x="6594886" y="1043235"/>
+            <a:ext cx="5004922" cy="5644896"/>
+          </a:xfrm>
+          <a:prstGeom prst="rect">
+            <a:avLst/>
+          </a:prstGeom>
+          <a:ln w="38100">
+            <a:solidFill>
+              <a:schemeClr val="tx1">
+                <a:lumMod val="65000"/>
+                <a:lumOff val="35000"/>
+              </a:schemeClr>
+            </a:solidFill>
+          </a:ln>
+        </p:spPr>
+      </p:pic>
+      <p:pic>
+        <p:nvPicPr>
+          <p:cNvPr id="6" name="그림 5">
+            <a:extLst>
+              <a:ext uri="{FF2B5EF4-FFF2-40B4-BE49-F238E27FC236}">
+                <a16:creationId xmlns:a16="http://schemas.microsoft.com/office/drawing/2014/main" id="{AFCEFCD5-8FAD-48AE-9294-7F8AA6407C00}"/>
+              </a:ext>
+            </a:extLst>
+          </p:cNvPr>
+          <p:cNvPicPr>
+            <a:picLocks noChangeAspect="1"/>
+          </p:cNvPicPr>
+          <p:nvPr/>
+        </p:nvPicPr>
+        <p:blipFill>
+          <a:blip r:embed="rId4"/>
+          <a:stretch>
+            <a:fillRect/>
+          </a:stretch>
+        </p:blipFill>
+        <p:spPr>
+          <a:xfrm>
+            <a:off x="592192" y="867508"/>
+            <a:ext cx="5676900" cy="6257925"/>
+          </a:xfrm>
+          <a:prstGeom prst="rect">
+            <a:avLst/>
+          </a:prstGeom>
+        </p:spPr>
+      </p:pic>
+    </p:spTree>
+    <p:extLst>
+      <p:ext uri="{BB962C8B-B14F-4D97-AF65-F5344CB8AC3E}">
+        <p14:creationId xmlns:p14="http://schemas.microsoft.com/office/powerpoint/2010/main" val="2601415676"/>
+      </p:ext>
+    </p:extLst>
+  </p:cSld>
+  <p:clrMapOvr>
+    <a:masterClrMapping/>
+  </p:clrMapOvr>
+</p:sld>
+</file>
+
+<file path=ppt/slides/slide5.xml><?xml version="1.0" encoding="utf-8"?>
+<p:sld xmlns:a="http://schemas.openxmlformats.org/drawingml/2006/main" xmlns:r="http://schemas.openxmlformats.org/officeDocument/2006/relationships" xmlns:p="http://schemas.openxmlformats.org/presentationml/2006/main">
+  <p:cSld>
+    <p:spTree>
+      <p:nvGrpSpPr>
+        <p:cNvPr id="1" name="Shape 272"/>
+        <p:cNvGrpSpPr/>
+        <p:nvPr/>
+      </p:nvGrpSpPr>
+      <p:grpSpPr>
+        <a:xfrm>
+          <a:off x="0" y="0"/>
+          <a:ext cx="0" cy="0"/>
+          <a:chOff x="0" y="0"/>
+          <a:chExt cx="0" cy="0"/>
+        </a:xfrm>
+      </p:grpSpPr>
+      <p:sp>
+        <p:nvSpPr>
+          <p:cNvPr id="2" name="TextBox 1">
+            <a:extLst>
+              <a:ext uri="{FF2B5EF4-FFF2-40B4-BE49-F238E27FC236}">
+                <a16:creationId xmlns:a16="http://schemas.microsoft.com/office/drawing/2014/main" id="{A163CB76-DD60-43C1-B553-B8FB779D6474}"/>
+              </a:ext>
+            </a:extLst>
+          </p:cNvPr>
+          <p:cNvSpPr txBox="1"/>
+          <p:nvPr/>
+        </p:nvSpPr>
+        <p:spPr>
+          <a:xfrm>
+            <a:off x="1260290" y="1514438"/>
+            <a:ext cx="9407011" cy="4401205"/>
+          </a:xfrm>
+          <a:prstGeom prst="rect">
+            <a:avLst/>
+          </a:prstGeom>
+          <a:noFill/>
+        </p:spPr>
+        <p:txBody>
+          <a:bodyPr wrap="square" rtlCol="0">
+            <a:spAutoFit/>
+          </a:bodyPr>
+          <a:lstStyle/>
+          <a:p>
+            <a:pPr marL="285750" indent="-285750">
+              <a:buFont typeface="Arial" panose="020B0604020202020204" pitchFamily="34" charset="0"/>
+              <a:buChar char="•"/>
+            </a:pPr>
+            <a:r>
+              <a:rPr lang="en-US" altLang="ko-KR" sz="4000" dirty="0">
+                <a:latin typeface="휴먼매직체" panose="02030504000101010101" pitchFamily="18" charset="-127"/>
+                <a:ea typeface="휴먼매직체" panose="02030504000101010101" pitchFamily="18" charset="-127"/>
+              </a:rPr>
+              <a:t> </a:t>
+            </a:r>
+            <a:r>
+              <a:rPr lang="ko-KR" altLang="en-US" sz="4000" dirty="0">
+                <a:latin typeface="휴먼매직체" panose="02030504000101010101" pitchFamily="18" charset="-127"/>
+                <a:ea typeface="휴먼매직체" panose="02030504000101010101" pitchFamily="18" charset="-127"/>
+              </a:rPr>
+              <a:t>채팅 기능 구현</a:t>
+            </a:r>
+            <a:br>
+              <a:rPr lang="en-US" altLang="ko-KR" sz="4000" dirty="0">
+                <a:latin typeface="휴먼매직체" panose="02030504000101010101" pitchFamily="18" charset="-127"/>
+                <a:ea typeface="휴먼매직체" panose="02030504000101010101" pitchFamily="18" charset="-127"/>
+              </a:rPr>
+            </a:br>
+            <a:endParaRPr lang="en-US" altLang="ko-KR" sz="4000" dirty="0">
+              <a:latin typeface="휴먼매직체" panose="02030504000101010101" pitchFamily="18" charset="-127"/>
+              <a:ea typeface="휴먼매직체" panose="02030504000101010101" pitchFamily="18" charset="-127"/>
+            </a:endParaRPr>
+          </a:p>
+          <a:p>
+            <a:pPr marL="285750" indent="-285750">
+              <a:buFont typeface="Arial" panose="020B0604020202020204" pitchFamily="34" charset="0"/>
+              <a:buChar char="•"/>
+            </a:pPr>
+            <a:endParaRPr lang="en-US" altLang="ko-KR" sz="4000" dirty="0">
+              <a:latin typeface="휴먼매직체" panose="02030504000101010101" pitchFamily="18" charset="-127"/>
+              <a:ea typeface="휴먼매직체" panose="02030504000101010101" pitchFamily="18" charset="-127"/>
+            </a:endParaRPr>
+          </a:p>
+          <a:p>
+            <a:pPr marL="285750" indent="-285750">
+              <a:buFont typeface="Arial" panose="020B0604020202020204" pitchFamily="34" charset="0"/>
+              <a:buChar char="•"/>
+            </a:pPr>
+            <a:r>
+              <a:rPr lang="en-US" altLang="ko-KR" sz="4000" dirty="0">
+                <a:latin typeface="휴먼매직체" panose="02030504000101010101" pitchFamily="18" charset="-127"/>
+                <a:ea typeface="휴먼매직체" panose="02030504000101010101" pitchFamily="18" charset="-127"/>
+              </a:rPr>
+              <a:t> </a:t>
+            </a:r>
+            <a:r>
+              <a:rPr lang="ko-KR" altLang="en-US" sz="4000" dirty="0">
+                <a:latin typeface="휴먼매직체" panose="02030504000101010101" pitchFamily="18" charset="-127"/>
+                <a:ea typeface="휴먼매직체" panose="02030504000101010101" pitchFamily="18" charset="-127"/>
+              </a:rPr>
+              <a:t>소셜</a:t>
+            </a:r>
+            <a:r>
+              <a:rPr lang="en-US" altLang="ko-KR" sz="4000" dirty="0">
+                <a:latin typeface="휴먼매직체" panose="02030504000101010101" pitchFamily="18" charset="-127"/>
+                <a:ea typeface="휴먼매직체" panose="02030504000101010101" pitchFamily="18" charset="-127"/>
+              </a:rPr>
+              <a:t>(</a:t>
+            </a:r>
+            <a:r>
+              <a:rPr lang="ko-KR" altLang="en-US" sz="4000" dirty="0">
+                <a:latin typeface="휴먼매직체" panose="02030504000101010101" pitchFamily="18" charset="-127"/>
+                <a:ea typeface="휴먼매직체" panose="02030504000101010101" pitchFamily="18" charset="-127"/>
+              </a:rPr>
+              <a:t>친구 및 길드</a:t>
+            </a:r>
+            <a:r>
+              <a:rPr lang="en-US" altLang="ko-KR" sz="4000" dirty="0">
+                <a:latin typeface="휴먼매직체" panose="02030504000101010101" pitchFamily="18" charset="-127"/>
+                <a:ea typeface="휴먼매직체" panose="02030504000101010101" pitchFamily="18" charset="-127"/>
+              </a:rPr>
+              <a:t>)</a:t>
+            </a:r>
+            <a:r>
+              <a:rPr lang="ko-KR" altLang="en-US" sz="4000" dirty="0">
+                <a:latin typeface="휴먼매직체" panose="02030504000101010101" pitchFamily="18" charset="-127"/>
+                <a:ea typeface="휴먼매직체" panose="02030504000101010101" pitchFamily="18" charset="-127"/>
+              </a:rPr>
+              <a:t> 기능 구현</a:t>
+            </a:r>
+            <a:r>
+              <a:rPr lang="en-US" altLang="ko-KR" sz="4000" dirty="0">
+                <a:latin typeface="휴먼매직체" panose="02030504000101010101" pitchFamily="18" charset="-127"/>
+                <a:ea typeface="휴먼매직체" panose="02030504000101010101" pitchFamily="18" charset="-127"/>
+              </a:rPr>
+              <a:t> </a:t>
+            </a:r>
+            <a:br>
+              <a:rPr lang="en-US" altLang="ko-KR" sz="4000" dirty="0">
+                <a:latin typeface="휴먼매직체" panose="02030504000101010101" pitchFamily="18" charset="-127"/>
+                <a:ea typeface="휴먼매직체" panose="02030504000101010101" pitchFamily="18" charset="-127"/>
+              </a:rPr>
+            </a:br>
+            <a:endParaRPr lang="en-US" altLang="ko-KR" sz="4000" dirty="0">
+              <a:latin typeface="휴먼매직체" panose="02030504000101010101" pitchFamily="18" charset="-127"/>
+              <a:ea typeface="휴먼매직체" panose="02030504000101010101" pitchFamily="18" charset="-127"/>
+            </a:endParaRPr>
+          </a:p>
+          <a:p>
+            <a:pPr marL="285750" indent="-285750">
+              <a:buFont typeface="Arial" panose="020B0604020202020204" pitchFamily="34" charset="0"/>
+              <a:buChar char="•"/>
+            </a:pPr>
+            <a:endParaRPr lang="en-US" altLang="ko-KR" sz="4000" dirty="0">
+              <a:latin typeface="휴먼매직체" panose="02030504000101010101" pitchFamily="18" charset="-127"/>
+              <a:ea typeface="휴먼매직체" panose="02030504000101010101" pitchFamily="18" charset="-127"/>
+            </a:endParaRPr>
+          </a:p>
+          <a:p>
+            <a:pPr marL="285750" indent="-285750">
+              <a:buFont typeface="Arial" panose="020B0604020202020204" pitchFamily="34" charset="0"/>
+              <a:buChar char="•"/>
+            </a:pPr>
+            <a:r>
+              <a:rPr lang="en-US" altLang="ko-KR" sz="4000" dirty="0">
+                <a:latin typeface="휴먼매직체" panose="02030504000101010101" pitchFamily="18" charset="-127"/>
+                <a:ea typeface="휴먼매직체" panose="02030504000101010101" pitchFamily="18" charset="-127"/>
+              </a:rPr>
+              <a:t> In Game </a:t>
+            </a:r>
+            <a:r>
+              <a:rPr lang="ko-KR" altLang="en-US" sz="4000" dirty="0">
+                <a:latin typeface="휴먼매직체" panose="02030504000101010101" pitchFamily="18" charset="-127"/>
+                <a:ea typeface="휴먼매직체" panose="02030504000101010101" pitchFamily="18" charset="-127"/>
+              </a:rPr>
+              <a:t>모듈 부착 및 작동 테스트</a:t>
+            </a:r>
+            <a:r>
+              <a:rPr lang="en-US" altLang="ko-KR" sz="4000" dirty="0">
+                <a:latin typeface="휴먼매직체" panose="02030504000101010101" pitchFamily="18" charset="-127"/>
+                <a:ea typeface="휴먼매직체" panose="02030504000101010101" pitchFamily="18" charset="-127"/>
+              </a:rPr>
+              <a:t> </a:t>
+            </a:r>
+            <a:endParaRPr lang="ko-KR" altLang="en-US" sz="4000" dirty="0">
+              <a:latin typeface="휴먼매직체" panose="02030504000101010101" pitchFamily="18" charset="-127"/>
+              <a:ea typeface="휴먼매직체" panose="02030504000101010101" pitchFamily="18" charset="-127"/>
+            </a:endParaRPr>
+          </a:p>
+        </p:txBody>
+      </p:sp>
+      <p:grpSp>
+        <p:nvGrpSpPr>
+          <p:cNvPr id="17" name="Google Shape;166;p24">
+            <a:extLst>
+              <a:ext uri="{FF2B5EF4-FFF2-40B4-BE49-F238E27FC236}">
+                <a16:creationId xmlns:a16="http://schemas.microsoft.com/office/drawing/2014/main" id="{0734B3FF-493A-4208-9AA7-167B9D10B976}"/>
+              </a:ext>
+            </a:extLst>
+          </p:cNvPr>
+          <p:cNvGrpSpPr/>
+          <p:nvPr/>
+        </p:nvGrpSpPr>
+        <p:grpSpPr>
+          <a:xfrm>
+            <a:off x="80505" y="86890"/>
+            <a:ext cx="5594022" cy="780618"/>
+            <a:chOff x="1151472" y="3187501"/>
+            <a:chExt cx="6552728" cy="914400"/>
+          </a:xfrm>
+        </p:grpSpPr>
+        <p:sp>
+          <p:nvSpPr>
+            <p:cNvPr id="18" name="Google Shape;167;p24">
+              <a:extLst>
+                <a:ext uri="{FF2B5EF4-FFF2-40B4-BE49-F238E27FC236}">
+                  <a16:creationId xmlns:a16="http://schemas.microsoft.com/office/drawing/2014/main" id="{164701B7-40D9-4BB3-96AE-4C30F3751EEB}"/>
+                </a:ext>
+              </a:extLst>
+            </p:cNvPr>
+            <p:cNvSpPr/>
+            <p:nvPr/>
+          </p:nvSpPr>
+          <p:spPr>
+            <a:xfrm>
+              <a:off x="1633824" y="3347030"/>
+              <a:ext cx="6070376" cy="720000"/>
+            </a:xfrm>
+            <a:prstGeom prst="homePlate">
+              <a:avLst>
+                <a:gd name="adj" fmla="val 50000"/>
+              </a:avLst>
+            </a:prstGeom>
+            <a:solidFill>
+              <a:srgbClr val="A4B4EA"/>
+            </a:solidFill>
+            <a:ln>
+              <a:noFill/>
+            </a:ln>
+          </p:spPr>
+          <p:txBody>
+            <a:bodyPr spcFirstLastPara="1" wrap="square" lIns="121900" tIns="60933" rIns="121900" bIns="60933" anchor="ctr" anchorCtr="0">
+              <a:noAutofit/>
+            </a:bodyPr>
+            <a:lstStyle/>
+            <a:p>
+              <a:pPr algn="ctr"/>
+              <a:endParaRPr sz="2400">
+                <a:solidFill>
+                  <a:schemeClr val="lt1"/>
+                </a:solidFill>
+                <a:latin typeface="휴먼매직체" panose="02030504000101010101" pitchFamily="18" charset="-127"/>
+                <a:ea typeface="휴먼매직체" panose="02030504000101010101" pitchFamily="18" charset="-127"/>
+                <a:cs typeface="Arial"/>
+                <a:sym typeface="Arial"/>
+              </a:endParaRPr>
+            </a:p>
+          </p:txBody>
+        </p:sp>
+        <p:sp>
+          <p:nvSpPr>
+            <p:cNvPr id="19" name="Google Shape;168;p24">
+              <a:extLst>
+                <a:ext uri="{FF2B5EF4-FFF2-40B4-BE49-F238E27FC236}">
+                  <a16:creationId xmlns:a16="http://schemas.microsoft.com/office/drawing/2014/main" id="{907872F3-C1CD-4551-B8BC-305847C379AB}"/>
+                </a:ext>
+              </a:extLst>
+            </p:cNvPr>
+            <p:cNvSpPr/>
+            <p:nvPr/>
+          </p:nvSpPr>
+          <p:spPr>
+            <a:xfrm>
+              <a:off x="1946192" y="3284701"/>
+              <a:ext cx="5602603" cy="720000"/>
+            </a:xfrm>
+            <a:prstGeom prst="homePlate">
+              <a:avLst>
+                <a:gd name="adj" fmla="val 50000"/>
+              </a:avLst>
+            </a:prstGeom>
+            <a:solidFill>
+              <a:schemeClr val="lt1"/>
+            </a:solidFill>
+            <a:ln w="38100" cap="flat" cmpd="sng">
+              <a:solidFill>
+                <a:srgbClr val="A4B4EA"/>
+              </a:solidFill>
+              <a:prstDash val="solid"/>
+              <a:round/>
+              <a:headEnd type="none" w="sm" len="sm"/>
+              <a:tailEnd type="none" w="sm" len="sm"/>
+            </a:ln>
+          </p:spPr>
+          <p:txBody>
+            <a:bodyPr spcFirstLastPara="1" wrap="square" lIns="121900" tIns="60933" rIns="121900" bIns="60933" anchor="ctr" anchorCtr="0">
+              <a:noAutofit/>
+            </a:bodyPr>
+            <a:lstStyle/>
+            <a:p>
+              <a:pPr algn="ctr"/>
+              <a:r>
+                <a:rPr lang="ko-KR" altLang="en-US" sz="3200" dirty="0">
+                  <a:solidFill>
+                    <a:srgbClr val="3F3F3F"/>
+                  </a:solidFill>
+                  <a:latin typeface="휴먼매직체" panose="02030504000101010101" pitchFamily="18" charset="-127"/>
+                  <a:ea typeface="휴먼매직체" panose="02030504000101010101" pitchFamily="18" charset="-127"/>
+                  <a:cs typeface="Arial"/>
+                  <a:sym typeface="Arial"/>
+                </a:rPr>
+                <a:t>김 도훈</a:t>
+              </a:r>
+              <a:endParaRPr sz="3200" dirty="0">
+                <a:solidFill>
+                  <a:schemeClr val="lt1"/>
+                </a:solidFill>
+                <a:latin typeface="휴먼매직체" panose="02030504000101010101" pitchFamily="18" charset="-127"/>
+                <a:ea typeface="휴먼매직체" panose="02030504000101010101" pitchFamily="18" charset="-127"/>
+                <a:cs typeface="Arial"/>
+                <a:sym typeface="Arial"/>
+              </a:endParaRPr>
+            </a:p>
+          </p:txBody>
+        </p:sp>
+        <p:sp>
+          <p:nvSpPr>
+            <p:cNvPr id="20" name="Google Shape;169;p24">
+              <a:extLst>
+                <a:ext uri="{FF2B5EF4-FFF2-40B4-BE49-F238E27FC236}">
+                  <a16:creationId xmlns:a16="http://schemas.microsoft.com/office/drawing/2014/main" id="{1B436BB8-6B8D-48CD-B625-8CA49193491C}"/>
+                </a:ext>
+              </a:extLst>
+            </p:cNvPr>
+            <p:cNvSpPr/>
+            <p:nvPr/>
+          </p:nvSpPr>
+          <p:spPr>
+            <a:xfrm>
+              <a:off x="1151472" y="3187501"/>
+              <a:ext cx="914400" cy="914400"/>
+            </a:xfrm>
+            <a:prstGeom prst="diamond">
+              <a:avLst/>
+            </a:prstGeom>
+            <a:solidFill>
+              <a:srgbClr val="A4B4EA"/>
+            </a:solidFill>
+            <a:ln>
+              <a:noFill/>
+            </a:ln>
+          </p:spPr>
+          <p:txBody>
+            <a:bodyPr spcFirstLastPara="1" wrap="square" lIns="121900" tIns="60933" rIns="121900" bIns="60933" anchor="ctr" anchorCtr="0">
+              <a:noAutofit/>
+            </a:bodyPr>
+            <a:lstStyle/>
+            <a:p>
+              <a:pPr algn="ctr"/>
+              <a:r>
+                <a:rPr lang="en-US" altLang="ko-KR" sz="3733" b="1" dirty="0">
+                  <a:solidFill>
+                    <a:schemeClr val="lt1"/>
+                  </a:solidFill>
+                  <a:latin typeface="휴먼매직체" panose="02030504000101010101" pitchFamily="18" charset="-127"/>
+                  <a:ea typeface="휴먼매직체" panose="02030504000101010101" pitchFamily="18" charset="-127"/>
+                  <a:cs typeface="Arial"/>
+                  <a:sym typeface="Arial"/>
+                </a:rPr>
+                <a:t>2</a:t>
+              </a:r>
+              <a:endParaRPr sz="3733" b="1" dirty="0">
+                <a:solidFill>
+                  <a:schemeClr val="lt1"/>
+                </a:solidFill>
+                <a:latin typeface="휴먼매직체" panose="02030504000101010101" pitchFamily="18" charset="-127"/>
+                <a:ea typeface="휴먼매직체" panose="02030504000101010101" pitchFamily="18" charset="-127"/>
+                <a:cs typeface="Arial"/>
+                <a:sym typeface="Arial"/>
+              </a:endParaRPr>
+            </a:p>
+          </p:txBody>
+        </p:sp>
+      </p:grpSp>
+      <p:sp>
+        <p:nvSpPr>
+          <p:cNvPr id="21" name="TextBox 20">
+            <a:extLst>
+              <a:ext uri="{FF2B5EF4-FFF2-40B4-BE49-F238E27FC236}">
+                <a16:creationId xmlns:a16="http://schemas.microsoft.com/office/drawing/2014/main" id="{21C7F6A9-BB05-4441-A929-68A36BC6A3A3}"/>
+              </a:ext>
+            </a:extLst>
+          </p:cNvPr>
+          <p:cNvSpPr txBox="1"/>
+          <p:nvPr/>
+        </p:nvSpPr>
+        <p:spPr>
+          <a:xfrm>
+            <a:off x="7128588" y="86890"/>
+            <a:ext cx="3937519" cy="584775"/>
+          </a:xfrm>
+          <a:prstGeom prst="rect">
+            <a:avLst/>
+          </a:prstGeom>
+          <a:solidFill>
+            <a:schemeClr val="bg2">
+              <a:lumMod val="75000"/>
+              <a:alpha val="28000"/>
+            </a:schemeClr>
+          </a:solidFill>
+        </p:spPr>
+        <p:txBody>
+          <a:bodyPr wrap="square" rtlCol="0">
+            <a:spAutoFit/>
+          </a:bodyPr>
+          <a:lstStyle/>
+          <a:p>
+            <a:pPr algn="ctr"/>
+            <a:r>
+              <a:rPr lang="ko-KR" altLang="en-US" sz="3200" dirty="0">
+                <a:latin typeface="휴먼매직체" panose="02030504000101010101" pitchFamily="18" charset="-127"/>
+                <a:ea typeface="휴먼매직체" panose="02030504000101010101" pitchFamily="18" charset="-127"/>
+              </a:rPr>
+              <a:t>차후 일정</a:t>
+            </a:r>
+          </a:p>
+        </p:txBody>
+      </p:sp>
+    </p:spTree>
+    <p:extLst>
+      <p:ext uri="{BB962C8B-B14F-4D97-AF65-F5344CB8AC3E}">
+        <p14:creationId xmlns:p14="http://schemas.microsoft.com/office/powerpoint/2010/main" val="1242006014"/>
+      </p:ext>
+    </p:extLst>
+  </p:cSld>
+  <p:clrMapOvr>
+    <a:masterClrMapping/>
+  </p:clrMapOvr>
+</p:sld>
+</file>
+
+<file path=ppt/slides/slide6.xml><?xml version="1.0" encoding="utf-8"?>
+<p:sld xmlns:a="http://schemas.openxmlformats.org/drawingml/2006/main" xmlns:r="http://schemas.openxmlformats.org/officeDocument/2006/relationships" xmlns:p="http://schemas.openxmlformats.org/presentationml/2006/main">
+  <p:cSld>
+    <p:spTree>
+      <p:nvGrpSpPr>
+        <p:cNvPr id="1" name="Shape 272"/>
+        <p:cNvGrpSpPr/>
+        <p:nvPr/>
+      </p:nvGrpSpPr>
+      <p:grpSpPr>
+        <a:xfrm>
+          <a:off x="0" y="0"/>
+          <a:ext cx="0" cy="0"/>
+          <a:chOff x="0" y="0"/>
+          <a:chExt cx="0" cy="0"/>
+        </a:xfrm>
+      </p:grpSpPr>
+      <p:grpSp>
+        <p:nvGrpSpPr>
+          <p:cNvPr id="46" name="Google Shape;170;p24">
+            <a:extLst>
+              <a:ext uri="{FF2B5EF4-FFF2-40B4-BE49-F238E27FC236}">
+                <a16:creationId xmlns:a16="http://schemas.microsoft.com/office/drawing/2014/main" id="{B76A02F2-3D12-412B-8A11-26CE48979DDB}"/>
+              </a:ext>
+            </a:extLst>
+          </p:cNvPr>
+          <p:cNvGrpSpPr/>
+          <p:nvPr/>
+        </p:nvGrpSpPr>
+        <p:grpSpPr>
+          <a:xfrm>
+            <a:off x="80506" y="104563"/>
+            <a:ext cx="5594026" cy="780618"/>
+            <a:chOff x="1151472" y="3187501"/>
+            <a:chExt cx="6552728" cy="914401"/>
+          </a:xfrm>
+        </p:grpSpPr>
+        <p:sp>
+          <p:nvSpPr>
+            <p:cNvPr id="47" name="Google Shape;171;p24">
+              <a:extLst>
+                <a:ext uri="{FF2B5EF4-FFF2-40B4-BE49-F238E27FC236}">
+                  <a16:creationId xmlns:a16="http://schemas.microsoft.com/office/drawing/2014/main" id="{F1E36D1D-7E74-408F-A821-9C69BAD39266}"/>
+                </a:ext>
+              </a:extLst>
+            </p:cNvPr>
+            <p:cNvSpPr/>
+            <p:nvPr/>
+          </p:nvSpPr>
+          <p:spPr>
+            <a:xfrm>
+              <a:off x="1633824" y="3347030"/>
+              <a:ext cx="6070376" cy="720001"/>
+            </a:xfrm>
+            <a:prstGeom prst="homePlate">
+              <a:avLst>
+                <a:gd name="adj" fmla="val 50000"/>
+              </a:avLst>
+            </a:prstGeom>
+            <a:solidFill>
+              <a:srgbClr val="9AD3E9"/>
+            </a:solidFill>
+            <a:ln>
+              <a:noFill/>
+            </a:ln>
+          </p:spPr>
+          <p:txBody>
+            <a:bodyPr spcFirstLastPara="1" wrap="square" lIns="121900" tIns="60933" rIns="121900" bIns="60933" anchor="ctr" anchorCtr="0">
+              <a:noAutofit/>
+            </a:bodyPr>
+            <a:lstStyle/>
+            <a:p>
+              <a:pPr algn="ctr"/>
+              <a:endParaRPr sz="2400" dirty="0">
+                <a:solidFill>
+                  <a:schemeClr val="lt1"/>
+                </a:solidFill>
+                <a:latin typeface="휴먼매직체" panose="02030504000101010101" pitchFamily="18" charset="-127"/>
+                <a:ea typeface="휴먼매직체" panose="02030504000101010101" pitchFamily="18" charset="-127"/>
+                <a:cs typeface="Arial"/>
+                <a:sym typeface="Arial"/>
+              </a:endParaRPr>
+            </a:p>
+          </p:txBody>
+        </p:sp>
+        <p:sp>
+          <p:nvSpPr>
+            <p:cNvPr id="48" name="Google Shape;172;p24">
+              <a:extLst>
+                <a:ext uri="{FF2B5EF4-FFF2-40B4-BE49-F238E27FC236}">
+                  <a16:creationId xmlns:a16="http://schemas.microsoft.com/office/drawing/2014/main" id="{113C7C38-1C3E-4EF6-A703-E5C79914A4E3}"/>
+                </a:ext>
+              </a:extLst>
+            </p:cNvPr>
+            <p:cNvSpPr/>
+            <p:nvPr/>
+          </p:nvSpPr>
+          <p:spPr>
+            <a:xfrm>
+              <a:off x="1935479" y="3284701"/>
+              <a:ext cx="5613314" cy="720001"/>
+            </a:xfrm>
+            <a:prstGeom prst="homePlate">
+              <a:avLst>
+                <a:gd name="adj" fmla="val 50000"/>
+              </a:avLst>
+            </a:prstGeom>
+            <a:solidFill>
+              <a:schemeClr val="lt1"/>
+            </a:solidFill>
+            <a:ln w="38100" cap="flat" cmpd="sng">
+              <a:solidFill>
+                <a:srgbClr val="9AD3E9"/>
+              </a:solidFill>
+              <a:prstDash val="solid"/>
+              <a:round/>
+              <a:headEnd type="none" w="sm" len="sm"/>
+              <a:tailEnd type="none" w="sm" len="sm"/>
+            </a:ln>
+          </p:spPr>
+          <p:txBody>
+            <a:bodyPr spcFirstLastPara="1" wrap="square" lIns="121900" tIns="60933" rIns="121900" bIns="60933" anchor="ctr" anchorCtr="0">
+              <a:noAutofit/>
+            </a:bodyPr>
+            <a:lstStyle/>
+            <a:p>
+              <a:pPr algn="ctr"/>
+              <a:r>
+                <a:rPr lang="ko-KR" altLang="en-US" sz="3200" dirty="0">
+                  <a:solidFill>
+                    <a:srgbClr val="3F3F3F"/>
+                  </a:solidFill>
+                  <a:latin typeface="휴먼매직체" panose="02030504000101010101" pitchFamily="18" charset="-127"/>
+                  <a:ea typeface="휴먼매직체" panose="02030504000101010101" pitchFamily="18" charset="-127"/>
+                  <a:cs typeface="Arial"/>
+                  <a:sym typeface="Arial"/>
+                </a:rPr>
+                <a:t>유 정환</a:t>
+              </a:r>
+            </a:p>
+          </p:txBody>
+        </p:sp>
+        <p:sp>
+          <p:nvSpPr>
+            <p:cNvPr id="87" name="Google Shape;173;p24">
+              <a:extLst>
+                <a:ext uri="{FF2B5EF4-FFF2-40B4-BE49-F238E27FC236}">
+                  <a16:creationId xmlns:a16="http://schemas.microsoft.com/office/drawing/2014/main" id="{1374B0BB-3998-428D-B979-4757FA855DD4}"/>
+                </a:ext>
+              </a:extLst>
+            </p:cNvPr>
+            <p:cNvSpPr/>
+            <p:nvPr/>
+          </p:nvSpPr>
+          <p:spPr>
+            <a:xfrm>
+              <a:off x="1151472" y="3187501"/>
+              <a:ext cx="914400" cy="914401"/>
+            </a:xfrm>
+            <a:prstGeom prst="diamond">
+              <a:avLst/>
+            </a:prstGeom>
+            <a:solidFill>
+              <a:srgbClr val="9AD3E9"/>
+            </a:solidFill>
+            <a:ln>
+              <a:noFill/>
+            </a:ln>
+          </p:spPr>
+          <p:txBody>
+            <a:bodyPr spcFirstLastPara="1" wrap="square" lIns="121900" tIns="60933" rIns="121900" bIns="60933" anchor="ctr" anchorCtr="0">
+              <a:noAutofit/>
+            </a:bodyPr>
+            <a:lstStyle/>
+            <a:p>
+              <a:pPr algn="ctr"/>
+              <a:r>
+                <a:rPr lang="en-US" altLang="ko-KR" sz="3733" b="1" dirty="0">
+                  <a:solidFill>
+                    <a:schemeClr val="lt1"/>
+                  </a:solidFill>
+                  <a:latin typeface="휴먼매직체" panose="02030504000101010101" pitchFamily="18" charset="-127"/>
+                  <a:ea typeface="휴먼매직체" panose="02030504000101010101" pitchFamily="18" charset="-127"/>
+                  <a:cs typeface="Arial"/>
+                  <a:sym typeface="Arial"/>
+                </a:rPr>
+                <a:t>3</a:t>
+              </a:r>
+              <a:endParaRPr sz="3733" b="1" dirty="0">
+                <a:solidFill>
+                  <a:schemeClr val="lt1"/>
+                </a:solidFill>
+                <a:latin typeface="휴먼매직체" panose="02030504000101010101" pitchFamily="18" charset="-127"/>
+                <a:ea typeface="휴먼매직체" panose="02030504000101010101" pitchFamily="18" charset="-127"/>
+                <a:cs typeface="Arial"/>
+                <a:sym typeface="Arial"/>
+              </a:endParaRPr>
+            </a:p>
+          </p:txBody>
+        </p:sp>
+      </p:grpSp>
+      <p:sp>
+        <p:nvSpPr>
+          <p:cNvPr id="24" name="TextBox 23">
+            <a:extLst>
+              <a:ext uri="{FF2B5EF4-FFF2-40B4-BE49-F238E27FC236}">
+                <a16:creationId xmlns:a16="http://schemas.microsoft.com/office/drawing/2014/main" id="{6D5A0B99-9741-45E9-B42B-DCB14BD1C969}"/>
+              </a:ext>
+            </a:extLst>
+          </p:cNvPr>
+          <p:cNvSpPr txBox="1"/>
+          <p:nvPr/>
+        </p:nvSpPr>
+        <p:spPr>
+          <a:xfrm>
+            <a:off x="7128588" y="86890"/>
+            <a:ext cx="3937519" cy="584775"/>
+          </a:xfrm>
+          <a:prstGeom prst="rect">
+            <a:avLst/>
+          </a:prstGeom>
+          <a:solidFill>
+            <a:schemeClr val="bg2">
+              <a:lumMod val="75000"/>
+              <a:alpha val="28000"/>
+            </a:schemeClr>
+          </a:solidFill>
+        </p:spPr>
+        <p:txBody>
+          <a:bodyPr wrap="square" rtlCol="0">
+            <a:spAutoFit/>
+          </a:bodyPr>
+          <a:lstStyle/>
+          <a:p>
+            <a:pPr algn="ctr"/>
+            <a:r>
+              <a:rPr lang="en-US" altLang="ko-KR" sz="3200" dirty="0">
+                <a:latin typeface="휴먼매직체" panose="02030504000101010101" pitchFamily="18" charset="-127"/>
+                <a:ea typeface="휴먼매직체" panose="02030504000101010101" pitchFamily="18" charset="-127"/>
+              </a:rPr>
+              <a:t>DB </a:t>
+            </a:r>
+            <a:r>
+              <a:rPr lang="ko-KR" altLang="en-US" sz="3200" dirty="0">
+                <a:latin typeface="휴먼매직체" panose="02030504000101010101" pitchFamily="18" charset="-127"/>
+                <a:ea typeface="휴먼매직체" panose="02030504000101010101" pitchFamily="18" charset="-127"/>
+              </a:rPr>
+              <a:t>설계</a:t>
+            </a:r>
+          </a:p>
+        </p:txBody>
+      </p:sp>
+      <p:pic>
+        <p:nvPicPr>
+          <p:cNvPr id="1026" name="Picture 2">
+            <a:extLst>
+              <a:ext uri="{FF2B5EF4-FFF2-40B4-BE49-F238E27FC236}">
+                <a16:creationId xmlns:a16="http://schemas.microsoft.com/office/drawing/2014/main" id="{F772A5E7-09CE-4972-AE46-9A92DDC0D1B6}"/>
+              </a:ext>
+            </a:extLst>
+          </p:cNvPr>
+          <p:cNvPicPr>
+            <a:picLocks noChangeAspect="1" noChangeArrowheads="1"/>
+          </p:cNvPicPr>
+          <p:nvPr/>
+        </p:nvPicPr>
+        <p:blipFill>
+          <a:blip r:embed="rId3">
+            <a:extLst>
+              <a:ext uri="{28A0092B-C50C-407E-A947-70E740481C1C}">
+                <a14:useLocalDpi xmlns:a14="http://schemas.microsoft.com/office/drawing/2010/main" val="0"/>
+              </a:ext>
+            </a:extLst>
+          </a:blip>
+          <a:srcRect/>
+          <a:stretch>
+            <a:fillRect/>
+          </a:stretch>
+        </p:blipFill>
+        <p:spPr bwMode="auto">
+          <a:xfrm>
+            <a:off x="2662917" y="991601"/>
+            <a:ext cx="6023229" cy="5714345"/>
+          </a:xfrm>
+          <a:prstGeom prst="rect">
+            <a:avLst/>
+          </a:prstGeom>
+          <a:noFill/>
+          <a:ln w="38100">
+            <a:solidFill>
+              <a:schemeClr val="tx1">
+                <a:lumMod val="65000"/>
+                <a:lumOff val="35000"/>
+              </a:schemeClr>
+            </a:solidFill>
+          </a:ln>
+          <a:extLst>
+            <a:ext uri="{909E8E84-426E-40DD-AFC4-6F175D3DCCD1}">
+              <a14:hiddenFill xmlns:a14="http://schemas.microsoft.com/office/drawing/2010/main">
+                <a:solidFill>
+                  <a:srgbClr val="FFFFFF"/>
+                </a:solidFill>
+              </a14:hiddenFill>
+            </a:ext>
+          </a:extLst>
+        </p:spPr>
+      </p:pic>
+    </p:spTree>
+    <p:extLst>
+      <p:ext uri="{BB962C8B-B14F-4D97-AF65-F5344CB8AC3E}">
+        <p14:creationId xmlns:p14="http://schemas.microsoft.com/office/powerpoint/2010/main" val="1888831697"/>
+      </p:ext>
+    </p:extLst>
+  </p:cSld>
+  <p:clrMapOvr>
+    <a:masterClrMapping/>
+  </p:clrMapOvr>
+</p:sld>
+</file>
+
+<file path=ppt/slides/slide7.xml><?xml version="1.0" encoding="utf-8"?>
+<p:sld xmlns:a="http://schemas.openxmlformats.org/drawingml/2006/main" xmlns:r="http://schemas.openxmlformats.org/officeDocument/2006/relationships" xmlns:p="http://schemas.openxmlformats.org/presentationml/2006/main">
+  <p:cSld>
+    <p:spTree>
+      <p:nvGrpSpPr>
+        <p:cNvPr id="1" name="Shape 272"/>
+        <p:cNvGrpSpPr/>
+        <p:nvPr/>
+      </p:nvGrpSpPr>
+      <p:grpSpPr>
+        <a:xfrm>
+          <a:off x="0" y="0"/>
+          <a:ext cx="0" cy="0"/>
+          <a:chOff x="0" y="0"/>
+          <a:chExt cx="0" cy="0"/>
+        </a:xfrm>
+      </p:grpSpPr>
+      <p:grpSp>
+        <p:nvGrpSpPr>
+          <p:cNvPr id="46" name="Google Shape;170;p24">
+            <a:extLst>
+              <a:ext uri="{FF2B5EF4-FFF2-40B4-BE49-F238E27FC236}">
+                <a16:creationId xmlns:a16="http://schemas.microsoft.com/office/drawing/2014/main" id="{B76A02F2-3D12-412B-8A11-26CE48979DDB}"/>
+              </a:ext>
+            </a:extLst>
+          </p:cNvPr>
+          <p:cNvGrpSpPr/>
+          <p:nvPr/>
+        </p:nvGrpSpPr>
+        <p:grpSpPr>
+          <a:xfrm>
+            <a:off x="80506" y="104563"/>
+            <a:ext cx="5594026" cy="780618"/>
+            <a:chOff x="1151472" y="3187501"/>
+            <a:chExt cx="6552728" cy="914401"/>
+          </a:xfrm>
+        </p:grpSpPr>
+        <p:sp>
+          <p:nvSpPr>
+            <p:cNvPr id="47" name="Google Shape;171;p24">
+              <a:extLst>
+                <a:ext uri="{FF2B5EF4-FFF2-40B4-BE49-F238E27FC236}">
+                  <a16:creationId xmlns:a16="http://schemas.microsoft.com/office/drawing/2014/main" id="{F1E36D1D-7E74-408F-A821-9C69BAD39266}"/>
+                </a:ext>
+              </a:extLst>
+            </p:cNvPr>
+            <p:cNvSpPr/>
+            <p:nvPr/>
+          </p:nvSpPr>
+          <p:spPr>
+            <a:xfrm>
+              <a:off x="1633824" y="3347030"/>
+              <a:ext cx="6070376" cy="720001"/>
+            </a:xfrm>
+            <a:prstGeom prst="homePlate">
+              <a:avLst>
+                <a:gd name="adj" fmla="val 50000"/>
+              </a:avLst>
+            </a:prstGeom>
+            <a:solidFill>
+              <a:srgbClr val="9AD3E9"/>
+            </a:solidFill>
+            <a:ln>
+              <a:noFill/>
+            </a:ln>
+          </p:spPr>
+          <p:txBody>
+            <a:bodyPr spcFirstLastPara="1" wrap="square" lIns="121900" tIns="60933" rIns="121900" bIns="60933" anchor="ctr" anchorCtr="0">
+              <a:noAutofit/>
+            </a:bodyPr>
+            <a:lstStyle/>
+            <a:p>
+              <a:pPr algn="ctr"/>
+              <a:endParaRPr sz="2400" dirty="0">
+                <a:solidFill>
+                  <a:schemeClr val="lt1"/>
+                </a:solidFill>
+                <a:latin typeface="휴먼매직체" panose="02030504000101010101" pitchFamily="18" charset="-127"/>
+                <a:ea typeface="휴먼매직체" panose="02030504000101010101" pitchFamily="18" charset="-127"/>
+                <a:cs typeface="Arial"/>
+                <a:sym typeface="Arial"/>
+              </a:endParaRPr>
+            </a:p>
+          </p:txBody>
+        </p:sp>
+        <p:sp>
+          <p:nvSpPr>
+            <p:cNvPr id="48" name="Google Shape;172;p24">
+              <a:extLst>
+                <a:ext uri="{FF2B5EF4-FFF2-40B4-BE49-F238E27FC236}">
+                  <a16:creationId xmlns:a16="http://schemas.microsoft.com/office/drawing/2014/main" id="{113C7C38-1C3E-4EF6-A703-E5C79914A4E3}"/>
+                </a:ext>
+              </a:extLst>
+            </p:cNvPr>
+            <p:cNvSpPr/>
+            <p:nvPr/>
+          </p:nvSpPr>
+          <p:spPr>
+            <a:xfrm>
+              <a:off x="1935479" y="3284701"/>
+              <a:ext cx="5613314" cy="720001"/>
+            </a:xfrm>
+            <a:prstGeom prst="homePlate">
+              <a:avLst>
+                <a:gd name="adj" fmla="val 50000"/>
+              </a:avLst>
+            </a:prstGeom>
+            <a:solidFill>
+              <a:schemeClr val="lt1"/>
+            </a:solidFill>
+            <a:ln w="38100" cap="flat" cmpd="sng">
+              <a:solidFill>
+                <a:srgbClr val="9AD3E9"/>
+              </a:solidFill>
+              <a:prstDash val="solid"/>
+              <a:round/>
+              <a:headEnd type="none" w="sm" len="sm"/>
+              <a:tailEnd type="none" w="sm" len="sm"/>
+            </a:ln>
+          </p:spPr>
+          <p:txBody>
+            <a:bodyPr spcFirstLastPara="1" wrap="square" lIns="121900" tIns="60933" rIns="121900" bIns="60933" anchor="ctr" anchorCtr="0">
+              <a:noAutofit/>
+            </a:bodyPr>
+            <a:lstStyle/>
+            <a:p>
+              <a:pPr algn="ctr"/>
+              <a:r>
+                <a:rPr lang="ko-KR" altLang="en-US" sz="3200" dirty="0">
+                  <a:solidFill>
+                    <a:srgbClr val="3F3F3F"/>
+                  </a:solidFill>
+                  <a:latin typeface="휴먼매직체" panose="02030504000101010101" pitchFamily="18" charset="-127"/>
+                  <a:ea typeface="휴먼매직체" panose="02030504000101010101" pitchFamily="18" charset="-127"/>
+                  <a:cs typeface="Arial"/>
+                  <a:sym typeface="Arial"/>
+                </a:rPr>
+                <a:t>유 정환</a:t>
+              </a:r>
+            </a:p>
+          </p:txBody>
+        </p:sp>
+        <p:sp>
+          <p:nvSpPr>
+            <p:cNvPr id="87" name="Google Shape;173;p24">
+              <a:extLst>
+                <a:ext uri="{FF2B5EF4-FFF2-40B4-BE49-F238E27FC236}">
+                  <a16:creationId xmlns:a16="http://schemas.microsoft.com/office/drawing/2014/main" id="{1374B0BB-3998-428D-B979-4757FA855DD4}"/>
+                </a:ext>
+              </a:extLst>
+            </p:cNvPr>
+            <p:cNvSpPr/>
+            <p:nvPr/>
+          </p:nvSpPr>
+          <p:spPr>
+            <a:xfrm>
+              <a:off x="1151472" y="3187501"/>
+              <a:ext cx="914400" cy="914401"/>
+            </a:xfrm>
+            <a:prstGeom prst="diamond">
+              <a:avLst/>
+            </a:prstGeom>
+            <a:solidFill>
+              <a:srgbClr val="9AD3E9"/>
+            </a:solidFill>
+            <a:ln>
+              <a:noFill/>
+            </a:ln>
+          </p:spPr>
+          <p:txBody>
+            <a:bodyPr spcFirstLastPara="1" wrap="square" lIns="121900" tIns="60933" rIns="121900" bIns="60933" anchor="ctr" anchorCtr="0">
+              <a:noAutofit/>
+            </a:bodyPr>
+            <a:lstStyle/>
+            <a:p>
+              <a:pPr algn="ctr"/>
+              <a:r>
+                <a:rPr lang="en-US" altLang="ko-KR" sz="3733" b="1" dirty="0">
+                  <a:solidFill>
+                    <a:schemeClr val="lt1"/>
+                  </a:solidFill>
+                  <a:latin typeface="휴먼매직체" panose="02030504000101010101" pitchFamily="18" charset="-127"/>
+                  <a:ea typeface="휴먼매직체" panose="02030504000101010101" pitchFamily="18" charset="-127"/>
+                  <a:cs typeface="Arial"/>
+                  <a:sym typeface="Arial"/>
+                </a:rPr>
+                <a:t>3</a:t>
+              </a:r>
+              <a:endParaRPr sz="3733" b="1" dirty="0">
+                <a:solidFill>
+                  <a:schemeClr val="lt1"/>
+                </a:solidFill>
+                <a:latin typeface="휴먼매직체" panose="02030504000101010101" pitchFamily="18" charset="-127"/>
+                <a:ea typeface="휴먼매직체" panose="02030504000101010101" pitchFamily="18" charset="-127"/>
+                <a:cs typeface="Arial"/>
+                <a:sym typeface="Arial"/>
+              </a:endParaRPr>
+            </a:p>
+          </p:txBody>
+        </p:sp>
+      </p:grpSp>
+      <p:sp>
+        <p:nvSpPr>
+          <p:cNvPr id="24" name="TextBox 23">
+            <a:extLst>
+              <a:ext uri="{FF2B5EF4-FFF2-40B4-BE49-F238E27FC236}">
+                <a16:creationId xmlns:a16="http://schemas.microsoft.com/office/drawing/2014/main" id="{6D5A0B99-9741-45E9-B42B-DCB14BD1C969}"/>
+              </a:ext>
+            </a:extLst>
+          </p:cNvPr>
+          <p:cNvSpPr txBox="1"/>
+          <p:nvPr/>
+        </p:nvSpPr>
+        <p:spPr>
+          <a:xfrm>
+            <a:off x="7128588" y="86890"/>
+            <a:ext cx="3937519" cy="584775"/>
+          </a:xfrm>
+          <a:prstGeom prst="rect">
+            <a:avLst/>
+          </a:prstGeom>
+          <a:solidFill>
+            <a:schemeClr val="bg2">
+              <a:lumMod val="75000"/>
+              <a:alpha val="28000"/>
+            </a:schemeClr>
+          </a:solidFill>
+        </p:spPr>
+        <p:txBody>
+          <a:bodyPr wrap="square" rtlCol="0">
+            <a:spAutoFit/>
+          </a:bodyPr>
+          <a:lstStyle/>
+          <a:p>
+            <a:pPr algn="ctr"/>
+            <a:r>
+              <a:rPr lang="ko-KR" altLang="en-US" sz="3200" dirty="0">
+                <a:latin typeface="휴먼매직체" panose="02030504000101010101" pitchFamily="18" charset="-127"/>
+                <a:ea typeface="휴먼매직체" panose="02030504000101010101" pitchFamily="18" charset="-127"/>
+              </a:rPr>
+              <a:t>차후 일정</a:t>
+            </a:r>
+          </a:p>
+        </p:txBody>
+      </p:sp>
+      <p:sp>
+        <p:nvSpPr>
+          <p:cNvPr id="25" name="TextBox 24">
+            <a:extLst>
+              <a:ext uri="{FF2B5EF4-FFF2-40B4-BE49-F238E27FC236}">
+                <a16:creationId xmlns:a16="http://schemas.microsoft.com/office/drawing/2014/main" id="{CCD8D723-A9B6-40DE-A0DD-841BF5BB1655}"/>
+              </a:ext>
+            </a:extLst>
+          </p:cNvPr>
+          <p:cNvSpPr txBox="1"/>
+          <p:nvPr/>
+        </p:nvSpPr>
+        <p:spPr>
+          <a:xfrm>
+            <a:off x="1175362" y="1506175"/>
+            <a:ext cx="9407011" cy="4401205"/>
+          </a:xfrm>
+          <a:prstGeom prst="rect">
+            <a:avLst/>
+          </a:prstGeom>
+          <a:noFill/>
+        </p:spPr>
+        <p:txBody>
+          <a:bodyPr wrap="square" rtlCol="0">
+            <a:spAutoFit/>
+          </a:bodyPr>
+          <a:lstStyle/>
+          <a:p>
+            <a:pPr marL="285750" indent="-285750">
+              <a:buFont typeface="Arial" panose="020B0604020202020204" pitchFamily="34" charset="0"/>
+              <a:buChar char="•"/>
+            </a:pPr>
+            <a:r>
+              <a:rPr lang="en-US" altLang="ko-KR" sz="4000" dirty="0">
+                <a:latin typeface="휴먼매직체" panose="02030504000101010101" pitchFamily="18" charset="-127"/>
+                <a:ea typeface="휴먼매직체" panose="02030504000101010101" pitchFamily="18" charset="-127"/>
+              </a:rPr>
+              <a:t> DB </a:t>
+            </a:r>
+            <a:r>
+              <a:rPr lang="ko-KR" altLang="en-US" sz="4000" dirty="0">
+                <a:latin typeface="휴먼매직체" panose="02030504000101010101" pitchFamily="18" charset="-127"/>
+                <a:ea typeface="휴먼매직체" panose="02030504000101010101" pitchFamily="18" charset="-127"/>
+              </a:rPr>
+              <a:t>설계</a:t>
+            </a:r>
+            <a:r>
+              <a:rPr lang="en-US" altLang="ko-KR" sz="4000" dirty="0">
+                <a:latin typeface="휴먼매직체" panose="02030504000101010101" pitchFamily="18" charset="-127"/>
+                <a:ea typeface="휴먼매직체" panose="02030504000101010101" pitchFamily="18" charset="-127"/>
+              </a:rPr>
+              <a:t> </a:t>
+            </a:r>
+            <a:r>
+              <a:rPr lang="ko-KR" altLang="en-US" sz="4000" dirty="0">
+                <a:latin typeface="휴먼매직체" panose="02030504000101010101" pitchFamily="18" charset="-127"/>
+                <a:ea typeface="휴먼매직체" panose="02030504000101010101" pitchFamily="18" charset="-127"/>
+              </a:rPr>
+              <a:t>및 구현 테스트</a:t>
+            </a:r>
+            <a:endParaRPr lang="en-US" altLang="ko-KR" sz="4000" dirty="0">
+              <a:latin typeface="휴먼매직체" panose="02030504000101010101" pitchFamily="18" charset="-127"/>
+              <a:ea typeface="휴먼매직체" panose="02030504000101010101" pitchFamily="18" charset="-127"/>
+            </a:endParaRPr>
+          </a:p>
+          <a:p>
+            <a:br>
+              <a:rPr lang="en-US" altLang="ko-KR" sz="4000" dirty="0">
+                <a:latin typeface="휴먼매직체" panose="02030504000101010101" pitchFamily="18" charset="-127"/>
+                <a:ea typeface="휴먼매직체" panose="02030504000101010101" pitchFamily="18" charset="-127"/>
+              </a:rPr>
+            </a:br>
+            <a:endParaRPr lang="en-US" altLang="ko-KR" sz="4000" dirty="0">
+              <a:latin typeface="휴먼매직체" panose="02030504000101010101" pitchFamily="18" charset="-127"/>
+              <a:ea typeface="휴먼매직체" panose="02030504000101010101" pitchFamily="18" charset="-127"/>
+            </a:endParaRPr>
+          </a:p>
+          <a:p>
+            <a:pPr marL="285750" indent="-285750">
+              <a:buFont typeface="Arial" panose="020B0604020202020204" pitchFamily="34" charset="0"/>
+              <a:buChar char="•"/>
+            </a:pPr>
+            <a:r>
+              <a:rPr lang="en-US" altLang="ko-KR" sz="4000" dirty="0">
+                <a:latin typeface="휴먼매직체" panose="02030504000101010101" pitchFamily="18" charset="-127"/>
+                <a:ea typeface="휴먼매직체" panose="02030504000101010101" pitchFamily="18" charset="-127"/>
+              </a:rPr>
+              <a:t> </a:t>
+            </a:r>
+            <a:r>
+              <a:rPr lang="ko-KR" altLang="en-US" sz="4000" dirty="0">
+                <a:latin typeface="휴먼매직체" panose="02030504000101010101" pitchFamily="18" charset="-127"/>
+                <a:ea typeface="휴먼매직체" panose="02030504000101010101" pitchFamily="18" charset="-127"/>
+              </a:rPr>
+              <a:t>로그인 서버 최적화</a:t>
+            </a:r>
+            <a:endParaRPr lang="en-US" altLang="ko-KR" sz="4000" dirty="0">
+              <a:latin typeface="휴먼매직체" panose="02030504000101010101" pitchFamily="18" charset="-127"/>
+              <a:ea typeface="휴먼매직체" panose="02030504000101010101" pitchFamily="18" charset="-127"/>
+            </a:endParaRPr>
+          </a:p>
+          <a:p>
+            <a:pPr marL="285750" indent="-285750">
+              <a:buFont typeface="Arial" panose="020B0604020202020204" pitchFamily="34" charset="0"/>
+              <a:buChar char="•"/>
+            </a:pPr>
+            <a:endParaRPr lang="en-US" altLang="ko-KR" sz="4000" dirty="0">
+              <a:latin typeface="휴먼매직체" panose="02030504000101010101" pitchFamily="18" charset="-127"/>
+              <a:ea typeface="휴먼매직체" panose="02030504000101010101" pitchFamily="18" charset="-127"/>
+            </a:endParaRPr>
+          </a:p>
+          <a:p>
+            <a:pPr marL="285750" indent="-285750">
+              <a:buFont typeface="Arial" panose="020B0604020202020204" pitchFamily="34" charset="0"/>
+              <a:buChar char="•"/>
+            </a:pPr>
+            <a:endParaRPr lang="en-US" altLang="ko-KR" sz="4000" dirty="0">
+              <a:latin typeface="휴먼매직체" panose="02030504000101010101" pitchFamily="18" charset="-127"/>
+              <a:ea typeface="휴먼매직체" panose="02030504000101010101" pitchFamily="18" charset="-127"/>
+            </a:endParaRPr>
+          </a:p>
+          <a:p>
+            <a:pPr marL="285750" indent="-285750">
+              <a:buFont typeface="Arial" panose="020B0604020202020204" pitchFamily="34" charset="0"/>
+              <a:buChar char="•"/>
+            </a:pPr>
+            <a:r>
+              <a:rPr lang="en-US" altLang="ko-KR" sz="4000" dirty="0">
+                <a:latin typeface="휴먼매직체" panose="02030504000101010101" pitchFamily="18" charset="-127"/>
+                <a:ea typeface="휴먼매직체" panose="02030504000101010101" pitchFamily="18" charset="-127"/>
+              </a:rPr>
+              <a:t> </a:t>
+            </a:r>
+            <a:r>
+              <a:rPr lang="ko-KR" altLang="en-US" sz="4000" dirty="0">
+                <a:latin typeface="휴먼매직체" panose="02030504000101010101" pitchFamily="18" charset="-127"/>
+                <a:ea typeface="휴먼매직체" panose="02030504000101010101" pitchFamily="18" charset="-127"/>
+              </a:rPr>
+              <a:t>메인 서버</a:t>
+            </a:r>
+            <a:endParaRPr lang="en-US" altLang="ko-KR" sz="4000" dirty="0">
+              <a:latin typeface="휴먼매직체" panose="02030504000101010101" pitchFamily="18" charset="-127"/>
+              <a:ea typeface="휴먼매직체" panose="02030504000101010101" pitchFamily="18" charset="-127"/>
+            </a:endParaRPr>
+          </a:p>
+        </p:txBody>
+      </p:sp>
+    </p:spTree>
+    <p:extLst>
+      <p:ext uri="{BB962C8B-B14F-4D97-AF65-F5344CB8AC3E}">
+        <p14:creationId xmlns:p14="http://schemas.microsoft.com/office/powerpoint/2010/main" val="424008427"/>
+      </p:ext>
+    </p:extLst>
+  </p:cSld>
+  <p:clrMapOvr>
+    <a:masterClrMapping/>
+  </p:clrMapOvr>
+</p:sld>
+</file>
+
+<file path=ppt/slides/slide8.xml><?xml version="1.0" encoding="utf-8"?>
+<p:sld xmlns:a="http://schemas.openxmlformats.org/drawingml/2006/main" xmlns:r="http://schemas.openxmlformats.org/officeDocument/2006/relationships" xmlns:p="http://schemas.openxmlformats.org/presentationml/2006/main">
+  <p:cSld>
+    <p:spTree>
+      <p:nvGrpSpPr>
+        <p:cNvPr id="1" name="Shape 272"/>
+        <p:cNvGrpSpPr/>
+        <p:nvPr/>
+      </p:nvGrpSpPr>
+      <p:grpSpPr>
+        <a:xfrm>
+          <a:off x="0" y="0"/>
+          <a:ext cx="0" cy="0"/>
+          <a:chOff x="0" y="0"/>
+          <a:chExt cx="0" cy="0"/>
+        </a:xfrm>
+      </p:grpSpPr>
+      <p:grpSp>
+        <p:nvGrpSpPr>
+          <p:cNvPr id="8" name="Google Shape;174;p24">
+            <a:extLst>
+              <a:ext uri="{FF2B5EF4-FFF2-40B4-BE49-F238E27FC236}">
+                <a16:creationId xmlns:a16="http://schemas.microsoft.com/office/drawing/2014/main" id="{9DFBC73D-46D9-4A60-8843-8C505D7F9CC3}"/>
+              </a:ext>
+            </a:extLst>
+          </p:cNvPr>
+          <p:cNvGrpSpPr/>
+          <p:nvPr/>
+        </p:nvGrpSpPr>
+        <p:grpSpPr>
+          <a:xfrm>
+            <a:off x="102984" y="95222"/>
+            <a:ext cx="5594026" cy="780618"/>
+            <a:chOff x="1151472" y="3187501"/>
+            <a:chExt cx="6552728" cy="914400"/>
+          </a:xfrm>
+        </p:grpSpPr>
+        <p:sp>
+          <p:nvSpPr>
+            <p:cNvPr id="9" name="Google Shape;175;p24">
+              <a:extLst>
+                <a:ext uri="{FF2B5EF4-FFF2-40B4-BE49-F238E27FC236}">
+                  <a16:creationId xmlns:a16="http://schemas.microsoft.com/office/drawing/2014/main" id="{C2AB861F-2F17-4077-9406-82EE6DC30262}"/>
+                </a:ext>
+              </a:extLst>
+            </p:cNvPr>
+            <p:cNvSpPr/>
+            <p:nvPr/>
+          </p:nvSpPr>
+          <p:spPr>
+            <a:xfrm>
+              <a:off x="1633824" y="3347030"/>
+              <a:ext cx="6070376" cy="720000"/>
+            </a:xfrm>
+            <a:prstGeom prst="homePlate">
+              <a:avLst>
+                <a:gd name="adj" fmla="val 50000"/>
+              </a:avLst>
+            </a:prstGeom>
+            <a:solidFill>
+              <a:srgbClr val="98DFBB"/>
+            </a:solidFill>
+            <a:ln>
+              <a:noFill/>
+            </a:ln>
+          </p:spPr>
+          <p:txBody>
+            <a:bodyPr spcFirstLastPara="1" wrap="square" lIns="121900" tIns="60933" rIns="121900" bIns="60933" anchor="ctr" anchorCtr="0">
+              <a:noAutofit/>
+            </a:bodyPr>
+            <a:lstStyle/>
+            <a:p>
+              <a:pPr algn="ctr"/>
+              <a:endParaRPr sz="2400">
+                <a:solidFill>
+                  <a:schemeClr val="lt1"/>
+                </a:solidFill>
+                <a:latin typeface="휴먼매직체" panose="02030504000101010101" pitchFamily="18" charset="-127"/>
+                <a:ea typeface="휴먼매직체" panose="02030504000101010101" pitchFamily="18" charset="-127"/>
+                <a:cs typeface="Arial"/>
+                <a:sym typeface="Arial"/>
+              </a:endParaRPr>
+            </a:p>
+          </p:txBody>
+        </p:sp>
+        <p:sp>
+          <p:nvSpPr>
+            <p:cNvPr id="10" name="Google Shape;176;p24">
+              <a:extLst>
+                <a:ext uri="{FF2B5EF4-FFF2-40B4-BE49-F238E27FC236}">
+                  <a16:creationId xmlns:a16="http://schemas.microsoft.com/office/drawing/2014/main" id="{4DAC8B5E-40FF-4DF6-9A6F-8A6C41722374}"/>
+                </a:ext>
+              </a:extLst>
+            </p:cNvPr>
+            <p:cNvSpPr/>
+            <p:nvPr/>
+          </p:nvSpPr>
+          <p:spPr>
+            <a:xfrm>
+              <a:off x="1962704" y="3284701"/>
+              <a:ext cx="5586089" cy="720000"/>
+            </a:xfrm>
+            <a:prstGeom prst="homePlate">
+              <a:avLst>
+                <a:gd name="adj" fmla="val 50000"/>
+              </a:avLst>
+            </a:prstGeom>
+            <a:solidFill>
+              <a:schemeClr val="lt1"/>
+            </a:solidFill>
+            <a:ln w="38100" cap="flat" cmpd="sng">
+              <a:solidFill>
+                <a:srgbClr val="98DFBB"/>
+              </a:solidFill>
+              <a:prstDash val="solid"/>
+              <a:round/>
+              <a:headEnd type="none" w="sm" len="sm"/>
+              <a:tailEnd type="none" w="sm" len="sm"/>
+            </a:ln>
+          </p:spPr>
+          <p:txBody>
+            <a:bodyPr spcFirstLastPara="1" wrap="square" lIns="121900" tIns="60933" rIns="121900" bIns="60933" anchor="ctr" anchorCtr="0">
+              <a:noAutofit/>
+            </a:bodyPr>
+            <a:lstStyle/>
+            <a:p>
+              <a:pPr algn="ctr"/>
+              <a:r>
+                <a:rPr lang="ko-KR" altLang="en-US" sz="3200" dirty="0">
+                  <a:solidFill>
+                    <a:srgbClr val="3F3F3F"/>
+                  </a:solidFill>
+                  <a:latin typeface="휴먼매직체" panose="02030504000101010101" pitchFamily="18" charset="-127"/>
+                  <a:ea typeface="휴먼매직체" panose="02030504000101010101" pitchFamily="18" charset="-127"/>
+                  <a:cs typeface="Arial"/>
+                  <a:sym typeface="Arial"/>
+                </a:rPr>
+                <a:t>이 원형</a:t>
+              </a:r>
+            </a:p>
+          </p:txBody>
+        </p:sp>
+        <p:sp>
+          <p:nvSpPr>
+            <p:cNvPr id="11" name="Google Shape;177;p24">
+              <a:extLst>
+                <a:ext uri="{FF2B5EF4-FFF2-40B4-BE49-F238E27FC236}">
+                  <a16:creationId xmlns:a16="http://schemas.microsoft.com/office/drawing/2014/main" id="{F4C7C200-F669-4ABD-BB30-181A5A1E6855}"/>
+                </a:ext>
+              </a:extLst>
+            </p:cNvPr>
+            <p:cNvSpPr/>
+            <p:nvPr/>
+          </p:nvSpPr>
+          <p:spPr>
+            <a:xfrm>
+              <a:off x="1151472" y="3187501"/>
+              <a:ext cx="914400" cy="914400"/>
+            </a:xfrm>
+            <a:prstGeom prst="diamond">
+              <a:avLst/>
+            </a:prstGeom>
+            <a:solidFill>
+              <a:srgbClr val="98DFBB"/>
+            </a:solidFill>
+            <a:ln>
+              <a:noFill/>
+            </a:ln>
+          </p:spPr>
+          <p:txBody>
+            <a:bodyPr spcFirstLastPara="1" wrap="square" lIns="121900" tIns="60933" rIns="121900" bIns="60933" anchor="ctr" anchorCtr="0">
+              <a:noAutofit/>
+            </a:bodyPr>
+            <a:lstStyle/>
+            <a:p>
+              <a:pPr algn="ctr"/>
+              <a:r>
+                <a:rPr lang="en-US" altLang="ko-KR" sz="3733" b="1">
+                  <a:solidFill>
+                    <a:schemeClr val="lt1"/>
+                  </a:solidFill>
+                  <a:latin typeface="휴먼매직체" panose="02030504000101010101" pitchFamily="18" charset="-127"/>
+                  <a:ea typeface="휴먼매직체" panose="02030504000101010101" pitchFamily="18" charset="-127"/>
+                  <a:cs typeface="Arial"/>
+                  <a:sym typeface="Arial"/>
+                </a:rPr>
+                <a:t>4</a:t>
+              </a:r>
+              <a:endParaRPr lang="en-US" altLang="ko-KR" sz="3733" b="1" dirty="0">
+                <a:solidFill>
+                  <a:schemeClr val="lt1"/>
+                </a:solidFill>
+                <a:latin typeface="휴먼매직체" panose="02030504000101010101" pitchFamily="18" charset="-127"/>
+                <a:ea typeface="휴먼매직체" panose="02030504000101010101" pitchFamily="18" charset="-127"/>
+                <a:cs typeface="Arial"/>
+                <a:sym typeface="Arial"/>
+              </a:endParaRPr>
+            </a:p>
+          </p:txBody>
+        </p:sp>
+      </p:grpSp>
+      <p:sp>
+        <p:nvSpPr>
+          <p:cNvPr id="7" name="TextBox 6">
+            <a:extLst>
+              <a:ext uri="{FF2B5EF4-FFF2-40B4-BE49-F238E27FC236}">
+                <a16:creationId xmlns:a16="http://schemas.microsoft.com/office/drawing/2014/main" id="{1C6E57DE-FE5F-46B3-B8FC-2BB7BA7AED94}"/>
+              </a:ext>
+            </a:extLst>
+          </p:cNvPr>
+          <p:cNvSpPr txBox="1"/>
+          <p:nvPr/>
+        </p:nvSpPr>
+        <p:spPr>
+          <a:xfrm>
+            <a:off x="7128588" y="86890"/>
+            <a:ext cx="3937519" cy="584775"/>
+          </a:xfrm>
+          <a:prstGeom prst="rect">
+            <a:avLst/>
+          </a:prstGeom>
+          <a:solidFill>
+            <a:schemeClr val="bg2">
+              <a:lumMod val="75000"/>
+              <a:alpha val="28000"/>
+            </a:schemeClr>
+          </a:solidFill>
+        </p:spPr>
+        <p:txBody>
+          <a:bodyPr wrap="square" rtlCol="0">
+            <a:spAutoFit/>
+          </a:bodyPr>
+          <a:lstStyle/>
+          <a:p>
+            <a:pPr algn="ctr"/>
+            <a:r>
+              <a:rPr lang="ko-KR" altLang="en-US" sz="3200" dirty="0">
+                <a:latin typeface="휴먼매직체" panose="02030504000101010101" pitchFamily="18" charset="-127"/>
+                <a:ea typeface="휴먼매직체" panose="02030504000101010101" pitchFamily="18" charset="-127"/>
+              </a:rPr>
+              <a:t>차후 일정</a:t>
+            </a:r>
+          </a:p>
+        </p:txBody>
+      </p:sp>
+      <p:sp>
+        <p:nvSpPr>
+          <p:cNvPr id="12" name="TextBox 11">
+            <a:extLst>
+              <a:ext uri="{FF2B5EF4-FFF2-40B4-BE49-F238E27FC236}">
+                <a16:creationId xmlns:a16="http://schemas.microsoft.com/office/drawing/2014/main" id="{88322423-5D4B-433F-8987-CA05320970C8}"/>
+              </a:ext>
+            </a:extLst>
+          </p:cNvPr>
+          <p:cNvSpPr txBox="1"/>
+          <p:nvPr/>
+        </p:nvSpPr>
+        <p:spPr>
+          <a:xfrm>
+            <a:off x="1175362" y="1506175"/>
+            <a:ext cx="9407011" cy="4401205"/>
+          </a:xfrm>
+          <a:prstGeom prst="rect">
+            <a:avLst/>
+          </a:prstGeom>
+          <a:noFill/>
+        </p:spPr>
+        <p:txBody>
+          <a:bodyPr wrap="square" rtlCol="0">
+            <a:spAutoFit/>
+          </a:bodyPr>
+          <a:lstStyle/>
+          <a:p>
+            <a:pPr marL="285750" indent="-285750">
+              <a:buFont typeface="Arial" panose="020B0604020202020204" pitchFamily="34" charset="0"/>
+              <a:buChar char="•"/>
+            </a:pPr>
+            <a:r>
+              <a:rPr lang="en-US" altLang="ko-KR" sz="4000" dirty="0">
+                <a:latin typeface="휴먼매직체" panose="02030504000101010101" pitchFamily="18" charset="-127"/>
+                <a:ea typeface="휴먼매직체" panose="02030504000101010101" pitchFamily="18" charset="-127"/>
+              </a:rPr>
+              <a:t> </a:t>
+            </a:r>
+            <a:r>
+              <a:rPr lang="ko-KR" altLang="en-US" sz="4000" dirty="0">
+                <a:latin typeface="휴먼매직체" panose="02030504000101010101" pitchFamily="18" charset="-127"/>
+                <a:ea typeface="휴먼매직체" panose="02030504000101010101" pitchFamily="18" charset="-127"/>
+              </a:rPr>
+              <a:t>채팅</a:t>
+            </a:r>
+            <a:r>
+              <a:rPr lang="en-US" altLang="ko-KR" sz="4000" dirty="0">
+                <a:latin typeface="휴먼매직체" panose="02030504000101010101" pitchFamily="18" charset="-127"/>
+                <a:ea typeface="휴먼매직체" panose="02030504000101010101" pitchFamily="18" charset="-127"/>
+              </a:rPr>
+              <a:t> </a:t>
+            </a:r>
+            <a:r>
+              <a:rPr lang="ko-KR" altLang="en-US" sz="4000" dirty="0">
+                <a:latin typeface="휴먼매직체" panose="02030504000101010101" pitchFamily="18" charset="-127"/>
+                <a:ea typeface="휴먼매직체" panose="02030504000101010101" pitchFamily="18" charset="-127"/>
+              </a:rPr>
+              <a:t>기능</a:t>
+            </a:r>
+            <a:r>
+              <a:rPr lang="en-US" altLang="ko-KR" sz="4000" dirty="0">
+                <a:latin typeface="휴먼매직체" panose="02030504000101010101" pitchFamily="18" charset="-127"/>
+                <a:ea typeface="휴먼매직체" panose="02030504000101010101" pitchFamily="18" charset="-127"/>
+              </a:rPr>
+              <a:t> </a:t>
+            </a:r>
+            <a:r>
+              <a:rPr lang="ko-KR" altLang="en-US" sz="4000" dirty="0">
+                <a:latin typeface="휴먼매직체" panose="02030504000101010101" pitchFamily="18" charset="-127"/>
+                <a:ea typeface="휴먼매직체" panose="02030504000101010101" pitchFamily="18" charset="-127"/>
+              </a:rPr>
+              <a:t>구현</a:t>
+            </a:r>
+            <a:endParaRPr lang="en-US" altLang="ko-KR" sz="4000" dirty="0">
+              <a:latin typeface="휴먼매직체" panose="02030504000101010101" pitchFamily="18" charset="-127"/>
+              <a:ea typeface="휴먼매직체" panose="02030504000101010101" pitchFamily="18" charset="-127"/>
+            </a:endParaRPr>
+          </a:p>
+          <a:p>
+            <a:br>
+              <a:rPr lang="en-US" altLang="ko-KR" sz="4000" dirty="0">
+                <a:latin typeface="휴먼매직체" panose="02030504000101010101" pitchFamily="18" charset="-127"/>
+                <a:ea typeface="휴먼매직체" panose="02030504000101010101" pitchFamily="18" charset="-127"/>
+              </a:rPr>
+            </a:br>
+            <a:endParaRPr lang="en-US" altLang="ko-KR" sz="4000" dirty="0">
+              <a:latin typeface="휴먼매직체" panose="02030504000101010101" pitchFamily="18" charset="-127"/>
+              <a:ea typeface="휴먼매직체" panose="02030504000101010101" pitchFamily="18" charset="-127"/>
+            </a:endParaRPr>
+          </a:p>
+          <a:p>
+            <a:pPr marL="285750" indent="-285750">
+              <a:buFont typeface="Arial" panose="020B0604020202020204" pitchFamily="34" charset="0"/>
+              <a:buChar char="•"/>
+            </a:pPr>
+            <a:r>
+              <a:rPr lang="en-US" altLang="ko-KR" sz="4000" dirty="0">
+                <a:latin typeface="휴먼매직체" panose="02030504000101010101" pitchFamily="18" charset="-127"/>
+                <a:ea typeface="휴먼매직체" panose="02030504000101010101" pitchFamily="18" charset="-127"/>
+              </a:rPr>
+              <a:t> </a:t>
+            </a:r>
+            <a:r>
+              <a:rPr lang="ko-KR" altLang="en-US" sz="4000" dirty="0">
+                <a:latin typeface="휴먼매직체" panose="02030504000101010101" pitchFamily="18" charset="-127"/>
+                <a:ea typeface="휴먼매직체" panose="02030504000101010101" pitchFamily="18" charset="-127"/>
+              </a:rPr>
+              <a:t>친구 기능 구현</a:t>
+            </a:r>
+            <a:br>
+              <a:rPr lang="en-US" altLang="ko-KR" sz="4000" dirty="0">
+                <a:latin typeface="휴먼매직체" panose="02030504000101010101" pitchFamily="18" charset="-127"/>
+                <a:ea typeface="휴먼매직체" panose="02030504000101010101" pitchFamily="18" charset="-127"/>
+              </a:rPr>
+            </a:br>
+            <a:br>
+              <a:rPr lang="en-US" altLang="ko-KR" sz="4000" dirty="0">
+                <a:latin typeface="휴먼매직체" panose="02030504000101010101" pitchFamily="18" charset="-127"/>
+                <a:ea typeface="휴먼매직체" panose="02030504000101010101" pitchFamily="18" charset="-127"/>
+              </a:rPr>
+            </a:br>
+            <a:endParaRPr lang="en-US" altLang="ko-KR" sz="4000" dirty="0">
+              <a:latin typeface="휴먼매직체" panose="02030504000101010101" pitchFamily="18" charset="-127"/>
+              <a:ea typeface="휴먼매직체" panose="02030504000101010101" pitchFamily="18" charset="-127"/>
+            </a:endParaRPr>
+          </a:p>
+          <a:p>
+            <a:pPr marL="285750" indent="-285750">
+              <a:buFont typeface="Arial" panose="020B0604020202020204" pitchFamily="34" charset="0"/>
+              <a:buChar char="•"/>
+            </a:pPr>
+            <a:r>
+              <a:rPr lang="ko-KR" altLang="en-US" sz="4000" dirty="0">
+                <a:latin typeface="휴먼매직체" panose="02030504000101010101" pitchFamily="18" charset="-127"/>
+                <a:ea typeface="휴먼매직체" panose="02030504000101010101" pitchFamily="18" charset="-127"/>
+              </a:rPr>
+              <a:t> 길드 기능 구현</a:t>
+            </a:r>
+          </a:p>
+        </p:txBody>
+      </p:sp>
+    </p:spTree>
+    <p:extLst>
+      <p:ext uri="{BB962C8B-B14F-4D97-AF65-F5344CB8AC3E}">
+        <p14:creationId xmlns:p14="http://schemas.microsoft.com/office/powerpoint/2010/main" val="3138657107"/>
       </p:ext>
     </p:extLst>
   </p:cSld>
